--- a/NBA Project ML.pptx
+++ b/NBA Project ML.pptx
@@ -5,10 +5,10 @@
     <p:sldMasterId id="2147483648" r:id="rId1"/>
   </p:sldMasterIdLst>
   <p:notesMasterIdLst>
-    <p:notesMasterId r:id="rId32"/>
+    <p:notesMasterId r:id="rId34"/>
   </p:notesMasterIdLst>
   <p:handoutMasterIdLst>
-    <p:handoutMasterId r:id="rId33"/>
+    <p:handoutMasterId r:id="rId35"/>
   </p:handoutMasterIdLst>
   <p:sldIdLst>
     <p:sldId id="257" r:id="rId2"/>
@@ -26,21 +26,23 @@
     <p:sldId id="288" r:id="rId14"/>
     <p:sldId id="284" r:id="rId15"/>
     <p:sldId id="292" r:id="rId16"/>
-    <p:sldId id="264" r:id="rId17"/>
-    <p:sldId id="276" r:id="rId18"/>
-    <p:sldId id="275" r:id="rId19"/>
-    <p:sldId id="274" r:id="rId20"/>
-    <p:sldId id="277" r:id="rId21"/>
-    <p:sldId id="278" r:id="rId22"/>
-    <p:sldId id="279" r:id="rId23"/>
-    <p:sldId id="285" r:id="rId24"/>
-    <p:sldId id="280" r:id="rId25"/>
-    <p:sldId id="286" r:id="rId26"/>
-    <p:sldId id="267" r:id="rId27"/>
-    <p:sldId id="268" r:id="rId28"/>
-    <p:sldId id="269" r:id="rId29"/>
-    <p:sldId id="270" r:id="rId30"/>
-    <p:sldId id="271" r:id="rId31"/>
+    <p:sldId id="297" r:id="rId17"/>
+    <p:sldId id="296" r:id="rId18"/>
+    <p:sldId id="264" r:id="rId19"/>
+    <p:sldId id="276" r:id="rId20"/>
+    <p:sldId id="275" r:id="rId21"/>
+    <p:sldId id="274" r:id="rId22"/>
+    <p:sldId id="277" r:id="rId23"/>
+    <p:sldId id="278" r:id="rId24"/>
+    <p:sldId id="279" r:id="rId25"/>
+    <p:sldId id="285" r:id="rId26"/>
+    <p:sldId id="280" r:id="rId27"/>
+    <p:sldId id="286" r:id="rId28"/>
+    <p:sldId id="267" r:id="rId29"/>
+    <p:sldId id="268" r:id="rId30"/>
+    <p:sldId id="269" r:id="rId31"/>
+    <p:sldId id="270" r:id="rId32"/>
+    <p:sldId id="271" r:id="rId33"/>
   </p:sldIdLst>
   <p:sldSz cx="12192000" cy="6858000"/>
   <p:notesSz cx="6858000" cy="9144000"/>
@@ -150,12 +152,20 @@
 </p:presentation>
 </file>
 
+<file path=ppt/revisionInfo.xml><?xml version="1.0" encoding="utf-8"?>
+<p1510:revInfo xmlns:a="http://schemas.openxmlformats.org/drawingml/2006/main" xmlns:r="http://schemas.openxmlformats.org/officeDocument/2006/relationships" xmlns:p1510="http://schemas.microsoft.com/office/powerpoint/2015/10/main">
+  <p1510:revLst>
+    <p1510:client id="{BBF72C1B-80F7-4FA4-A5A7-725143162CB3}" v="4" dt="2021-03-04T00:59:50.246"/>
+  </p1510:revLst>
+</p1510:revInfo>
+</file>
+
 <file path=ppt/changesInfos/changesInfo1.xml><?xml version="1.0" encoding="utf-8"?>
 <pc:chgInfo xmlns:a="http://schemas.openxmlformats.org/drawingml/2006/main" xmlns:r="http://schemas.openxmlformats.org/officeDocument/2006/relationships" xmlns:ac="http://schemas.microsoft.com/office/drawing/2013/main/command" xmlns:pc="http://schemas.microsoft.com/office/powerpoint/2013/main/command">
   <pc:docChgLst>
     <pc:chgData name="Matthew Ashe" userId="fe3099772584396f" providerId="LiveId" clId="{BBF72C1B-80F7-4FA4-A5A7-725143162CB3}"/>
-    <pc:docChg chg="custSel modSld sldOrd">
-      <pc:chgData name="Matthew Ashe" userId="fe3099772584396f" providerId="LiveId" clId="{BBF72C1B-80F7-4FA4-A5A7-725143162CB3}" dt="2021-03-04T00:25:09.768" v="757" actId="20577"/>
+    <pc:docChg chg="undo custSel addSld modSld sldOrd">
+      <pc:chgData name="Matthew Ashe" userId="fe3099772584396f" providerId="LiveId" clId="{BBF72C1B-80F7-4FA4-A5A7-725143162CB3}" dt="2021-03-04T01:15:36.909" v="870" actId="255"/>
       <pc:docMkLst>
         <pc:docMk/>
       </pc:docMkLst>
@@ -174,8 +184,8 @@
           </ac:spMkLst>
         </pc:spChg>
       </pc:sldChg>
-      <pc:sldChg chg="modSp mod">
-        <pc:chgData name="Matthew Ashe" userId="fe3099772584396f" providerId="LiveId" clId="{BBF72C1B-80F7-4FA4-A5A7-725143162CB3}" dt="2021-03-04T00:09:50.774" v="1" actId="12"/>
+      <pc:sldChg chg="modSp mod modShow">
+        <pc:chgData name="Matthew Ashe" userId="fe3099772584396f" providerId="LiveId" clId="{BBF72C1B-80F7-4FA4-A5A7-725143162CB3}" dt="2021-03-04T01:13:34.521" v="829" actId="729"/>
         <pc:sldMkLst>
           <pc:docMk/>
           <pc:sldMk cId="1949577601" sldId="264"/>
@@ -219,6 +229,90 @@
           </ac:spMkLst>
         </pc:spChg>
       </pc:sldChg>
+      <pc:sldChg chg="mod modShow">
+        <pc:chgData name="Matthew Ashe" userId="fe3099772584396f" providerId="LiveId" clId="{BBF72C1B-80F7-4FA4-A5A7-725143162CB3}" dt="2021-03-04T01:14:03.594" v="839" actId="729"/>
+        <pc:sldMkLst>
+          <pc:docMk/>
+          <pc:sldMk cId="2598391320" sldId="267"/>
+        </pc:sldMkLst>
+      </pc:sldChg>
+      <pc:sldChg chg="mod modShow">
+        <pc:chgData name="Matthew Ashe" userId="fe3099772584396f" providerId="LiveId" clId="{BBF72C1B-80F7-4FA4-A5A7-725143162CB3}" dt="2021-03-04T01:14:05.861" v="840" actId="729"/>
+        <pc:sldMkLst>
+          <pc:docMk/>
+          <pc:sldMk cId="2993111047" sldId="268"/>
+        </pc:sldMkLst>
+      </pc:sldChg>
+      <pc:sldChg chg="mod modShow">
+        <pc:chgData name="Matthew Ashe" userId="fe3099772584396f" providerId="LiveId" clId="{BBF72C1B-80F7-4FA4-A5A7-725143162CB3}" dt="2021-03-04T01:14:07.361" v="841" actId="729"/>
+        <pc:sldMkLst>
+          <pc:docMk/>
+          <pc:sldMk cId="4078798235" sldId="269"/>
+        </pc:sldMkLst>
+      </pc:sldChg>
+      <pc:sldChg chg="mod modShow">
+        <pc:chgData name="Matthew Ashe" userId="fe3099772584396f" providerId="LiveId" clId="{BBF72C1B-80F7-4FA4-A5A7-725143162CB3}" dt="2021-03-04T01:14:08.925" v="842" actId="729"/>
+        <pc:sldMkLst>
+          <pc:docMk/>
+          <pc:sldMk cId="1864551520" sldId="270"/>
+        </pc:sldMkLst>
+      </pc:sldChg>
+      <pc:sldChg chg="mod modShow">
+        <pc:chgData name="Matthew Ashe" userId="fe3099772584396f" providerId="LiveId" clId="{BBF72C1B-80F7-4FA4-A5A7-725143162CB3}" dt="2021-03-04T01:14:11.754" v="843" actId="729"/>
+        <pc:sldMkLst>
+          <pc:docMk/>
+          <pc:sldMk cId="242861733" sldId="271"/>
+        </pc:sldMkLst>
+      </pc:sldChg>
+      <pc:sldChg chg="mod modShow">
+        <pc:chgData name="Matthew Ashe" userId="fe3099772584396f" providerId="LiveId" clId="{BBF72C1B-80F7-4FA4-A5A7-725143162CB3}" dt="2021-03-04T01:13:41.684" v="832" actId="729"/>
+        <pc:sldMkLst>
+          <pc:docMk/>
+          <pc:sldMk cId="3852826271" sldId="274"/>
+        </pc:sldMkLst>
+      </pc:sldChg>
+      <pc:sldChg chg="mod modShow">
+        <pc:chgData name="Matthew Ashe" userId="fe3099772584396f" providerId="LiveId" clId="{BBF72C1B-80F7-4FA4-A5A7-725143162CB3}" dt="2021-03-04T01:13:38.722" v="831" actId="729"/>
+        <pc:sldMkLst>
+          <pc:docMk/>
+          <pc:sldMk cId="3359947475" sldId="275"/>
+        </pc:sldMkLst>
+      </pc:sldChg>
+      <pc:sldChg chg="mod modShow">
+        <pc:chgData name="Matthew Ashe" userId="fe3099772584396f" providerId="LiveId" clId="{BBF72C1B-80F7-4FA4-A5A7-725143162CB3}" dt="2021-03-04T01:13:36.931" v="830" actId="729"/>
+        <pc:sldMkLst>
+          <pc:docMk/>
+          <pc:sldMk cId="1333244307" sldId="276"/>
+        </pc:sldMkLst>
+      </pc:sldChg>
+      <pc:sldChg chg="mod modShow">
+        <pc:chgData name="Matthew Ashe" userId="fe3099772584396f" providerId="LiveId" clId="{BBF72C1B-80F7-4FA4-A5A7-725143162CB3}" dt="2021-03-04T01:13:44.843" v="833" actId="729"/>
+        <pc:sldMkLst>
+          <pc:docMk/>
+          <pc:sldMk cId="2630260980" sldId="277"/>
+        </pc:sldMkLst>
+      </pc:sldChg>
+      <pc:sldChg chg="mod modShow">
+        <pc:chgData name="Matthew Ashe" userId="fe3099772584396f" providerId="LiveId" clId="{BBF72C1B-80F7-4FA4-A5A7-725143162CB3}" dt="2021-03-04T01:13:46.689" v="834" actId="729"/>
+        <pc:sldMkLst>
+          <pc:docMk/>
+          <pc:sldMk cId="93342923" sldId="278"/>
+        </pc:sldMkLst>
+      </pc:sldChg>
+      <pc:sldChg chg="mod modShow">
+        <pc:chgData name="Matthew Ashe" userId="fe3099772584396f" providerId="LiveId" clId="{BBF72C1B-80F7-4FA4-A5A7-725143162CB3}" dt="2021-03-04T01:13:52.388" v="835" actId="729"/>
+        <pc:sldMkLst>
+          <pc:docMk/>
+          <pc:sldMk cId="3168562010" sldId="279"/>
+        </pc:sldMkLst>
+      </pc:sldChg>
+      <pc:sldChg chg="mod modShow">
+        <pc:chgData name="Matthew Ashe" userId="fe3099772584396f" providerId="LiveId" clId="{BBF72C1B-80F7-4FA4-A5A7-725143162CB3}" dt="2021-03-04T01:13:55.921" v="837" actId="729"/>
+        <pc:sldMkLst>
+          <pc:docMk/>
+          <pc:sldMk cId="1803856404" sldId="280"/>
+        </pc:sldMkLst>
+      </pc:sldChg>
       <pc:sldChg chg="modSp mod ord">
         <pc:chgData name="Matthew Ashe" userId="fe3099772584396f" providerId="LiveId" clId="{BBF72C1B-80F7-4FA4-A5A7-725143162CB3}" dt="2021-03-04T00:25:09.768" v="757" actId="20577"/>
         <pc:sldMkLst>
@@ -255,8 +349,15 @@
           <pc:sldMk cId="621918934" sldId="284"/>
         </pc:sldMkLst>
       </pc:sldChg>
-      <pc:sldChg chg="ord">
-        <pc:chgData name="Matthew Ashe" userId="fe3099772584396f" providerId="LiveId" clId="{BBF72C1B-80F7-4FA4-A5A7-725143162CB3}" dt="2021-03-04T00:18:55.760" v="281"/>
+      <pc:sldChg chg="mod modShow">
+        <pc:chgData name="Matthew Ashe" userId="fe3099772584396f" providerId="LiveId" clId="{BBF72C1B-80F7-4FA4-A5A7-725143162CB3}" dt="2021-03-04T01:13:54.522" v="836" actId="729"/>
+        <pc:sldMkLst>
+          <pc:docMk/>
+          <pc:sldMk cId="2882227964" sldId="285"/>
+        </pc:sldMkLst>
+      </pc:sldChg>
+      <pc:sldChg chg="mod ord modShow">
+        <pc:chgData name="Matthew Ashe" userId="fe3099772584396f" providerId="LiveId" clId="{BBF72C1B-80F7-4FA4-A5A7-725143162CB3}" dt="2021-03-04T01:13:57.581" v="838" actId="729"/>
         <pc:sldMkLst>
           <pc:docMk/>
           <pc:sldMk cId="2224268550" sldId="286"/>
@@ -289,6 +390,93 @@
           <pc:docMk/>
           <pc:sldMk cId="1356875514" sldId="291"/>
         </pc:sldMkLst>
+      </pc:sldChg>
+      <pc:sldChg chg="addSp delSp modSp mod modClrScheme chgLayout">
+        <pc:chgData name="Matthew Ashe" userId="fe3099772584396f" providerId="LiveId" clId="{BBF72C1B-80F7-4FA4-A5A7-725143162CB3}" dt="2021-03-04T00:58:49.275" v="796" actId="20577"/>
+        <pc:sldMkLst>
+          <pc:docMk/>
+          <pc:sldMk cId="3800701757" sldId="292"/>
+        </pc:sldMkLst>
+        <pc:spChg chg="del">
+          <ac:chgData name="Matthew Ashe" userId="fe3099772584396f" providerId="LiveId" clId="{BBF72C1B-80F7-4FA4-A5A7-725143162CB3}" dt="2021-03-04T00:53:57.483" v="758" actId="700"/>
+          <ac:spMkLst>
+            <pc:docMk/>
+            <pc:sldMk cId="3800701757" sldId="292"/>
+            <ac:spMk id="2" creationId="{37C77308-3593-4BEE-A70D-95781F7E7930}"/>
+          </ac:spMkLst>
+        </pc:spChg>
+        <pc:spChg chg="del">
+          <ac:chgData name="Matthew Ashe" userId="fe3099772584396f" providerId="LiveId" clId="{BBF72C1B-80F7-4FA4-A5A7-725143162CB3}" dt="2021-03-04T00:53:57.483" v="758" actId="700"/>
+          <ac:spMkLst>
+            <pc:docMk/>
+            <pc:sldMk cId="3800701757" sldId="292"/>
+            <ac:spMk id="3" creationId="{AC6B8DFE-F892-46D5-A4EF-D5E58FB0FD2C}"/>
+          </ac:spMkLst>
+        </pc:spChg>
+        <pc:spChg chg="del">
+          <ac:chgData name="Matthew Ashe" userId="fe3099772584396f" providerId="LiveId" clId="{BBF72C1B-80F7-4FA4-A5A7-725143162CB3}" dt="2021-03-04T00:53:57.483" v="758" actId="700"/>
+          <ac:spMkLst>
+            <pc:docMk/>
+            <pc:sldMk cId="3800701757" sldId="292"/>
+            <ac:spMk id="4" creationId="{0AEFD3E2-39C1-48CD-8D27-A3042AC09E4D}"/>
+          </ac:spMkLst>
+        </pc:spChg>
+        <pc:spChg chg="add mod ord">
+          <ac:chgData name="Matthew Ashe" userId="fe3099772584396f" providerId="LiveId" clId="{BBF72C1B-80F7-4FA4-A5A7-725143162CB3}" dt="2021-03-04T00:58:49.275" v="796" actId="20577"/>
+          <ac:spMkLst>
+            <pc:docMk/>
+            <pc:sldMk cId="3800701757" sldId="292"/>
+            <ac:spMk id="8" creationId="{CAD86DFE-7586-4F9C-8BA5-E365E91CD5EE}"/>
+          </ac:spMkLst>
+        </pc:spChg>
+        <pc:spChg chg="add del mod ord">
+          <ac:chgData name="Matthew Ashe" userId="fe3099772584396f" providerId="LiveId" clId="{BBF72C1B-80F7-4FA4-A5A7-725143162CB3}" dt="2021-03-04T00:58:02.720" v="778"/>
+          <ac:spMkLst>
+            <pc:docMk/>
+            <pc:sldMk cId="3800701757" sldId="292"/>
+            <ac:spMk id="9" creationId="{D11B5EFE-B0E3-484E-8A93-FD2D20AA0EB4}"/>
+          </ac:spMkLst>
+        </pc:spChg>
+        <pc:spChg chg="add del mod ord">
+          <ac:chgData name="Matthew Ashe" userId="fe3099772584396f" providerId="LiveId" clId="{BBF72C1B-80F7-4FA4-A5A7-725143162CB3}" dt="2021-03-04T00:58:10.011" v="780"/>
+          <ac:spMkLst>
+            <pc:docMk/>
+            <pc:sldMk cId="3800701757" sldId="292"/>
+            <ac:spMk id="10" creationId="{B53EFC33-C706-43A2-9587-853A564462CF}"/>
+          </ac:spMkLst>
+        </pc:spChg>
+        <pc:picChg chg="add del mod">
+          <ac:chgData name="Matthew Ashe" userId="fe3099772584396f" providerId="LiveId" clId="{BBF72C1B-80F7-4FA4-A5A7-725143162CB3}" dt="2021-03-04T00:58:01.109" v="777" actId="21"/>
+          <ac:picMkLst>
+            <pc:docMk/>
+            <pc:sldMk cId="3800701757" sldId="292"/>
+            <ac:picMk id="6" creationId="{598AA98E-8FDE-4B64-995B-C063F0C4B112}"/>
+          </ac:picMkLst>
+        </pc:picChg>
+        <pc:picChg chg="add del mod">
+          <ac:chgData name="Matthew Ashe" userId="fe3099772584396f" providerId="LiveId" clId="{BBF72C1B-80F7-4FA4-A5A7-725143162CB3}" dt="2021-03-04T00:58:08.026" v="779" actId="21"/>
+          <ac:picMkLst>
+            <pc:docMk/>
+            <pc:sldMk cId="3800701757" sldId="292"/>
+            <ac:picMk id="7" creationId="{7CE1A517-EFAD-4B25-B490-D2D058BA0193}"/>
+          </ac:picMkLst>
+        </pc:picChg>
+        <pc:picChg chg="add mod">
+          <ac:chgData name="Matthew Ashe" userId="fe3099772584396f" providerId="LiveId" clId="{BBF72C1B-80F7-4FA4-A5A7-725143162CB3}" dt="2021-03-04T00:58:15.769" v="781" actId="14100"/>
+          <ac:picMkLst>
+            <pc:docMk/>
+            <pc:sldMk cId="3800701757" sldId="292"/>
+            <ac:picMk id="11" creationId="{8E5B4183-A1B4-4E28-BFFC-105263B87F2E}"/>
+          </ac:picMkLst>
+        </pc:picChg>
+        <pc:picChg chg="add mod">
+          <ac:chgData name="Matthew Ashe" userId="fe3099772584396f" providerId="LiveId" clId="{BBF72C1B-80F7-4FA4-A5A7-725143162CB3}" dt="2021-03-04T00:58:31.281" v="784" actId="14100"/>
+          <ac:picMkLst>
+            <pc:docMk/>
+            <pc:sldMk cId="3800701757" sldId="292"/>
+            <ac:picMk id="12" creationId="{91A2BB43-AB95-4A21-A044-B35B00D611A3}"/>
+          </ac:picMkLst>
+        </pc:picChg>
       </pc:sldChg>
       <pc:sldChg chg="modSp mod ord">
         <pc:chgData name="Matthew Ashe" userId="fe3099772584396f" providerId="LiveId" clId="{BBF72C1B-80F7-4FA4-A5A7-725143162CB3}" dt="2021-03-04T00:20:20.642" v="380" actId="20577"/>
@@ -334,6 +522,132 @@
             <ac:spMk id="4" creationId="{9AB44659-8321-469D-8E7A-AB61061CAE95}"/>
           </ac:spMkLst>
         </pc:spChg>
+      </pc:sldChg>
+      <pc:sldChg chg="addSp delSp modSp new mod modClrScheme chgLayout">
+        <pc:chgData name="Matthew Ashe" userId="fe3099772584396f" providerId="LiveId" clId="{BBF72C1B-80F7-4FA4-A5A7-725143162CB3}" dt="2021-03-04T01:15:36.909" v="870" actId="255"/>
+        <pc:sldMkLst>
+          <pc:docMk/>
+          <pc:sldMk cId="929333685" sldId="296"/>
+        </pc:sldMkLst>
+        <pc:spChg chg="add mod">
+          <ac:chgData name="Matthew Ashe" userId="fe3099772584396f" providerId="LiveId" clId="{BBF72C1B-80F7-4FA4-A5A7-725143162CB3}" dt="2021-03-04T01:15:36.909" v="870" actId="255"/>
+          <ac:spMkLst>
+            <pc:docMk/>
+            <pc:sldMk cId="929333685" sldId="296"/>
+            <ac:spMk id="4" creationId="{683B08DC-81E0-451C-B18E-CF5F883C4470}"/>
+          </ac:spMkLst>
+        </pc:spChg>
+        <pc:picChg chg="add del">
+          <ac:chgData name="Matthew Ashe" userId="fe3099772584396f" providerId="LiveId" clId="{BBF72C1B-80F7-4FA4-A5A7-725143162CB3}" dt="2021-03-04T00:59:00.842" v="797" actId="478"/>
+          <ac:picMkLst>
+            <pc:docMk/>
+            <pc:sldMk cId="929333685" sldId="296"/>
+            <ac:picMk id="3" creationId="{F3A9BF0D-E59A-4F26-8498-0EF8841B17B2}"/>
+          </ac:picMkLst>
+        </pc:picChg>
+      </pc:sldChg>
+      <pc:sldChg chg="addSp delSp modSp new mod ord modClrScheme chgLayout">
+        <pc:chgData name="Matthew Ashe" userId="fe3099772584396f" providerId="LiveId" clId="{BBF72C1B-80F7-4FA4-A5A7-725143162CB3}" dt="2021-03-04T01:13:21.619" v="828" actId="14100"/>
+        <pc:sldMkLst>
+          <pc:docMk/>
+          <pc:sldMk cId="4148980562" sldId="297"/>
+        </pc:sldMkLst>
+        <pc:spChg chg="add mod ord">
+          <ac:chgData name="Matthew Ashe" userId="fe3099772584396f" providerId="LiveId" clId="{BBF72C1B-80F7-4FA4-A5A7-725143162CB3}" dt="2021-03-04T00:59:44.011" v="807" actId="20577"/>
+          <ac:spMkLst>
+            <pc:docMk/>
+            <pc:sldMk cId="4148980562" sldId="297"/>
+            <ac:spMk id="4" creationId="{AB7C4782-F3F8-48BC-B441-AB327AE02FCE}"/>
+          </ac:spMkLst>
+        </pc:spChg>
+        <pc:spChg chg="add del mod ord">
+          <ac:chgData name="Matthew Ashe" userId="fe3099772584396f" providerId="LiveId" clId="{BBF72C1B-80F7-4FA4-A5A7-725143162CB3}" dt="2021-03-04T00:59:50.246" v="809"/>
+          <ac:spMkLst>
+            <pc:docMk/>
+            <pc:sldMk cId="4148980562" sldId="297"/>
+            <ac:spMk id="5" creationId="{8340ACB6-3080-412D-B6E4-0F36199F5290}"/>
+          </ac:spMkLst>
+        </pc:spChg>
+        <pc:spChg chg="add del mod ord">
+          <ac:chgData name="Matthew Ashe" userId="fe3099772584396f" providerId="LiveId" clId="{BBF72C1B-80F7-4FA4-A5A7-725143162CB3}" dt="2021-03-04T01:04:30.022" v="810" actId="22"/>
+          <ac:spMkLst>
+            <pc:docMk/>
+            <pc:sldMk cId="4148980562" sldId="297"/>
+            <ac:spMk id="6" creationId="{46FB64A6-A03E-475E-BD8E-879C3C0BE973}"/>
+          </ac:spMkLst>
+        </pc:spChg>
+        <pc:spChg chg="add del mod">
+          <ac:chgData name="Matthew Ashe" userId="fe3099772584396f" providerId="LiveId" clId="{BBF72C1B-80F7-4FA4-A5A7-725143162CB3}" dt="2021-03-04T01:07:37.401" v="820" actId="22"/>
+          <ac:spMkLst>
+            <pc:docMk/>
+            <pc:sldMk cId="4148980562" sldId="297"/>
+            <ac:spMk id="11" creationId="{5DB05B07-3816-419C-94CC-ABCF9A9A7D2C}"/>
+          </ac:spMkLst>
+        </pc:spChg>
+        <pc:spChg chg="add del mod">
+          <ac:chgData name="Matthew Ashe" userId="fe3099772584396f" providerId="LiveId" clId="{BBF72C1B-80F7-4FA4-A5A7-725143162CB3}" dt="2021-03-04T01:13:12.680" v="826" actId="22"/>
+          <ac:spMkLst>
+            <pc:docMk/>
+            <pc:sldMk cId="4148980562" sldId="297"/>
+            <ac:spMk id="19" creationId="{3325A238-AE6D-431F-B894-83EBCDFDD419}"/>
+          </ac:spMkLst>
+        </pc:spChg>
+        <pc:picChg chg="add del">
+          <ac:chgData name="Matthew Ashe" userId="fe3099772584396f" providerId="LiveId" clId="{BBF72C1B-80F7-4FA4-A5A7-725143162CB3}" dt="2021-03-04T00:59:48.459" v="808" actId="21"/>
+          <ac:picMkLst>
+            <pc:docMk/>
+            <pc:sldMk cId="4148980562" sldId="297"/>
+            <ac:picMk id="3" creationId="{B7734A76-6A78-4CEA-8560-BBA707DBB84F}"/>
+          </ac:picMkLst>
+        </pc:picChg>
+        <pc:picChg chg="add mod">
+          <ac:chgData name="Matthew Ashe" userId="fe3099772584396f" providerId="LiveId" clId="{BBF72C1B-80F7-4FA4-A5A7-725143162CB3}" dt="2021-03-04T01:05:46.905" v="817" actId="14100"/>
+          <ac:picMkLst>
+            <pc:docMk/>
+            <pc:sldMk cId="4148980562" sldId="297"/>
+            <ac:picMk id="7" creationId="{232E0CFB-3260-4A52-8182-027407C506BC}"/>
+          </ac:picMkLst>
+        </pc:picChg>
+        <pc:picChg chg="add del mod ord">
+          <ac:chgData name="Matthew Ashe" userId="fe3099772584396f" providerId="LiveId" clId="{BBF72C1B-80F7-4FA4-A5A7-725143162CB3}" dt="2021-03-04T01:05:32.059" v="815" actId="478"/>
+          <ac:picMkLst>
+            <pc:docMk/>
+            <pc:sldMk cId="4148980562" sldId="297"/>
+            <ac:picMk id="9" creationId="{50AB3E4B-E06F-4ECB-A16F-A94028D693AB}"/>
+          </ac:picMkLst>
+        </pc:picChg>
+        <pc:picChg chg="add del">
+          <ac:chgData name="Matthew Ashe" userId="fe3099772584396f" providerId="LiveId" clId="{BBF72C1B-80F7-4FA4-A5A7-725143162CB3}" dt="2021-03-04T01:07:35.841" v="819" actId="22"/>
+          <ac:picMkLst>
+            <pc:docMk/>
+            <pc:sldMk cId="4148980562" sldId="297"/>
+            <ac:picMk id="13" creationId="{381D8FD0-98B5-4967-AE4B-9D9B6986A59B}"/>
+          </ac:picMkLst>
+        </pc:picChg>
+        <pc:picChg chg="add del mod ord">
+          <ac:chgData name="Matthew Ashe" userId="fe3099772584396f" providerId="LiveId" clId="{BBF72C1B-80F7-4FA4-A5A7-725143162CB3}" dt="2021-03-04T01:13:10.950" v="825" actId="478"/>
+          <ac:picMkLst>
+            <pc:docMk/>
+            <pc:sldMk cId="4148980562" sldId="297"/>
+            <ac:picMk id="15" creationId="{DFB748FB-2743-4640-8431-F96F84758D08}"/>
+          </ac:picMkLst>
+        </pc:picChg>
+        <pc:picChg chg="add del">
+          <ac:chgData name="Matthew Ashe" userId="fe3099772584396f" providerId="LiveId" clId="{BBF72C1B-80F7-4FA4-A5A7-725143162CB3}" dt="2021-03-04T01:13:09.438" v="824" actId="478"/>
+          <ac:picMkLst>
+            <pc:docMk/>
+            <pc:sldMk cId="4148980562" sldId="297"/>
+            <ac:picMk id="17" creationId="{A6F82EEB-26F8-49A3-A9A5-FA133611DEEE}"/>
+          </ac:picMkLst>
+        </pc:picChg>
+        <pc:picChg chg="add mod ord">
+          <ac:chgData name="Matthew Ashe" userId="fe3099772584396f" providerId="LiveId" clId="{BBF72C1B-80F7-4FA4-A5A7-725143162CB3}" dt="2021-03-04T01:13:21.619" v="828" actId="14100"/>
+          <ac:picMkLst>
+            <pc:docMk/>
+            <pc:sldMk cId="4148980562" sldId="297"/>
+            <ac:picMk id="21" creationId="{DB4070CC-42FF-49F5-9A5B-388968BFD3F8}"/>
+          </ac:picMkLst>
+        </pc:picChg>
       </pc:sldChg>
     </pc:docChg>
   </pc:docChgLst>
@@ -4305,10 +4619,10 @@
       </p:grpSpPr>
       <p:sp>
         <p:nvSpPr>
-          <p:cNvPr id="2" name="Title 1">
+          <p:cNvPr id="8" name="Title 7">
             <a:extLst>
               <a:ext uri="{FF2B5EF4-FFF2-40B4-BE49-F238E27FC236}">
-                <a16:creationId xmlns:a16="http://schemas.microsoft.com/office/drawing/2014/main" id="{37C77308-3593-4BEE-A70D-95781F7E7930}"/>
+                <a16:creationId xmlns:a16="http://schemas.microsoft.com/office/drawing/2014/main" id="{CAD86DFE-7586-4F9C-8BA5-E365E91CD5EE}"/>
               </a:ext>
             </a:extLst>
           </p:cNvPr>
@@ -4324,60 +4638,77 @@
           <a:bodyPr/>
           <a:lstStyle/>
           <a:p>
-            <a:endParaRPr lang="en-US"/>
-          </a:p>
-        </p:txBody>
-      </p:sp>
-      <p:sp>
-        <p:nvSpPr>
-          <p:cNvPr id="3" name="Content Placeholder 2">
+            <a:r>
+              <a:rPr lang="en-US" dirty="0"/>
+              <a:t>2012-2013 </a:t>
+            </a:r>
+          </a:p>
+        </p:txBody>
+      </p:sp>
+      <p:pic>
+        <p:nvPicPr>
+          <p:cNvPr id="11" name="Content Placeholder 10">
             <a:extLst>
               <a:ext uri="{FF2B5EF4-FFF2-40B4-BE49-F238E27FC236}">
-                <a16:creationId xmlns:a16="http://schemas.microsoft.com/office/drawing/2014/main" id="{AC6B8DFE-F892-46D5-A4EF-D5E58FB0FD2C}"/>
+                <a16:creationId xmlns:a16="http://schemas.microsoft.com/office/drawing/2014/main" id="{8E5B4183-A1B4-4E28-BFFC-105263B87F2E}"/>
               </a:ext>
             </a:extLst>
           </p:cNvPr>
-          <p:cNvSpPr>
-            <a:spLocks noGrp="1"/>
-          </p:cNvSpPr>
-          <p:nvPr>
-            <p:ph idx="1"/>
-          </p:nvPr>
-        </p:nvSpPr>
-        <p:spPr/>
-        <p:txBody>
-          <a:bodyPr/>
-          <a:lstStyle/>
-          <a:p>
-            <a:endParaRPr lang="en-US"/>
-          </a:p>
-        </p:txBody>
-      </p:sp>
-      <p:sp>
-        <p:nvSpPr>
-          <p:cNvPr id="4" name="Text Placeholder 3">
+          <p:cNvPicPr>
+            <a:picLocks noGrp="1" noChangeAspect="1"/>
+          </p:cNvPicPr>
+          <p:nvPr>
+            <p:ph sz="half" idx="1"/>
+          </p:nvPr>
+        </p:nvPicPr>
+        <p:blipFill>
+          <a:blip r:embed="rId2"/>
+          <a:stretch>
+            <a:fillRect/>
+          </a:stretch>
+        </p:blipFill>
+        <p:spPr>
+          <a:xfrm>
+            <a:off x="181394" y="2648204"/>
+            <a:ext cx="5732044" cy="2838196"/>
+          </a:xfrm>
+          <a:prstGeom prst="rect">
+            <a:avLst/>
+          </a:prstGeom>
+        </p:spPr>
+      </p:pic>
+      <p:pic>
+        <p:nvPicPr>
+          <p:cNvPr id="12" name="Content Placeholder 11">
             <a:extLst>
               <a:ext uri="{FF2B5EF4-FFF2-40B4-BE49-F238E27FC236}">
-                <a16:creationId xmlns:a16="http://schemas.microsoft.com/office/drawing/2014/main" id="{0AEFD3E2-39C1-48CD-8D27-A3042AC09E4D}"/>
+                <a16:creationId xmlns:a16="http://schemas.microsoft.com/office/drawing/2014/main" id="{91A2BB43-AB95-4A21-A044-B35B00D611A3}"/>
               </a:ext>
             </a:extLst>
           </p:cNvPr>
-          <p:cNvSpPr>
-            <a:spLocks noGrp="1"/>
-          </p:cNvSpPr>
-          <p:nvPr>
-            <p:ph type="body" sz="half" idx="2"/>
-          </p:nvPr>
-        </p:nvSpPr>
-        <p:spPr/>
-        <p:txBody>
-          <a:bodyPr/>
-          <a:lstStyle/>
-          <a:p>
-            <a:endParaRPr lang="en-US"/>
-          </a:p>
-        </p:txBody>
-      </p:sp>
+          <p:cNvPicPr>
+            <a:picLocks noGrp="1" noChangeAspect="1"/>
+          </p:cNvPicPr>
+          <p:nvPr>
+            <p:ph sz="half" idx="2"/>
+          </p:nvPr>
+        </p:nvPicPr>
+        <p:blipFill>
+          <a:blip r:embed="rId3"/>
+          <a:stretch>
+            <a:fillRect/>
+          </a:stretch>
+        </p:blipFill>
+        <p:spPr>
+          <a:xfrm>
+            <a:off x="6096000" y="2658031"/>
+            <a:ext cx="6023202" cy="2838195"/>
+          </a:xfrm>
+          <a:prstGeom prst="rect">
+            <a:avLst/>
+          </a:prstGeom>
+        </p:spPr>
+      </p:pic>
     </p:spTree>
     <p:extLst>
       <p:ext uri="{BB962C8B-B14F-4D97-AF65-F5344CB8AC3E}">
@@ -4405,6 +4736,214 @@
 
 <file path=ppt/slides/slide16.xml><?xml version="1.0" encoding="utf-8"?>
 <p:sld xmlns:a="http://schemas.openxmlformats.org/drawingml/2006/main" xmlns:r="http://schemas.openxmlformats.org/officeDocument/2006/relationships" xmlns:p="http://schemas.openxmlformats.org/presentationml/2006/main">
+  <p:cSld>
+    <p:spTree>
+      <p:nvGrpSpPr>
+        <p:cNvPr id="1" name=""/>
+        <p:cNvGrpSpPr/>
+        <p:nvPr/>
+      </p:nvGrpSpPr>
+      <p:grpSpPr>
+        <a:xfrm>
+          <a:off x="0" y="0"/>
+          <a:ext cx="0" cy="0"/>
+          <a:chOff x="0" y="0"/>
+          <a:chExt cx="0" cy="0"/>
+        </a:xfrm>
+      </p:grpSpPr>
+      <p:sp>
+        <p:nvSpPr>
+          <p:cNvPr id="4" name="Title 3">
+            <a:extLst>
+              <a:ext uri="{FF2B5EF4-FFF2-40B4-BE49-F238E27FC236}">
+                <a16:creationId xmlns:a16="http://schemas.microsoft.com/office/drawing/2014/main" id="{AB7C4782-F3F8-48BC-B441-AB327AE02FCE}"/>
+              </a:ext>
+            </a:extLst>
+          </p:cNvPr>
+          <p:cNvSpPr>
+            <a:spLocks noGrp="1"/>
+          </p:cNvSpPr>
+          <p:nvPr>
+            <p:ph type="title"/>
+          </p:nvPr>
+        </p:nvSpPr>
+        <p:spPr/>
+        <p:txBody>
+          <a:bodyPr/>
+          <a:lstStyle/>
+          <a:p>
+            <a:r>
+              <a:rPr lang="en-US" dirty="0"/>
+              <a:t>2012-2019</a:t>
+            </a:r>
+          </a:p>
+        </p:txBody>
+      </p:sp>
+      <p:pic>
+        <p:nvPicPr>
+          <p:cNvPr id="7" name="Content Placeholder 6">
+            <a:extLst>
+              <a:ext uri="{FF2B5EF4-FFF2-40B4-BE49-F238E27FC236}">
+                <a16:creationId xmlns:a16="http://schemas.microsoft.com/office/drawing/2014/main" id="{232E0CFB-3260-4A52-8182-027407C506BC}"/>
+              </a:ext>
+            </a:extLst>
+          </p:cNvPr>
+          <p:cNvPicPr>
+            <a:picLocks noGrp="1" noChangeAspect="1"/>
+          </p:cNvPicPr>
+          <p:nvPr>
+            <p:ph sz="half" idx="1"/>
+          </p:nvPr>
+        </p:nvPicPr>
+        <p:blipFill>
+          <a:blip r:embed="rId2"/>
+          <a:stretch>
+            <a:fillRect/>
+          </a:stretch>
+        </p:blipFill>
+        <p:spPr>
+          <a:xfrm>
+            <a:off x="204321" y="2438400"/>
+            <a:ext cx="5709118" cy="2590800"/>
+          </a:xfrm>
+          <a:prstGeom prst="rect">
+            <a:avLst/>
+          </a:prstGeom>
+        </p:spPr>
+      </p:pic>
+      <p:pic>
+        <p:nvPicPr>
+          <p:cNvPr id="21" name="Content Placeholder 20">
+            <a:extLst>
+              <a:ext uri="{FF2B5EF4-FFF2-40B4-BE49-F238E27FC236}">
+                <a16:creationId xmlns:a16="http://schemas.microsoft.com/office/drawing/2014/main" id="{DB4070CC-42FF-49F5-9A5B-388968BFD3F8}"/>
+              </a:ext>
+            </a:extLst>
+          </p:cNvPr>
+          <p:cNvPicPr>
+            <a:picLocks noGrp="1" noChangeAspect="1"/>
+          </p:cNvPicPr>
+          <p:nvPr>
+            <p:ph sz="half" idx="2"/>
+          </p:nvPr>
+        </p:nvPicPr>
+        <p:blipFill>
+          <a:blip r:embed="rId3"/>
+          <a:stretch>
+            <a:fillRect/>
+          </a:stretch>
+        </p:blipFill>
+        <p:spPr>
+          <a:xfrm>
+            <a:off x="6278562" y="2438400"/>
+            <a:ext cx="5456237" cy="2620815"/>
+          </a:xfrm>
+        </p:spPr>
+      </p:pic>
+    </p:spTree>
+    <p:extLst>
+      <p:ext uri="{BB962C8B-B14F-4D97-AF65-F5344CB8AC3E}">
+        <p14:creationId xmlns:p14="http://schemas.microsoft.com/office/powerpoint/2010/main" val="4148980562"/>
+      </p:ext>
+    </p:extLst>
+  </p:cSld>
+  <p:clrMapOvr>
+    <a:masterClrMapping/>
+  </p:clrMapOvr>
+  <mc:AlternateContent xmlns:mc="http://schemas.openxmlformats.org/markup-compatibility/2006" xmlns:p14="http://schemas.microsoft.com/office/powerpoint/2010/main">
+    <mc:Choice Requires="p14">
+      <p:transition spd="med" p14:dur="700">
+        <p:fade/>
+      </p:transition>
+    </mc:Choice>
+    <mc:Fallback xmlns="">
+      <p:transition spd="med">
+        <p:fade/>
+      </p:transition>
+    </mc:Fallback>
+  </mc:AlternateContent>
+</p:sld>
+</file>
+
+<file path=ppt/slides/slide17.xml><?xml version="1.0" encoding="utf-8"?>
+<p:sld xmlns:a="http://schemas.openxmlformats.org/drawingml/2006/main" xmlns:r="http://schemas.openxmlformats.org/officeDocument/2006/relationships" xmlns:p="http://schemas.openxmlformats.org/presentationml/2006/main">
+  <p:cSld>
+    <p:spTree>
+      <p:nvGrpSpPr>
+        <p:cNvPr id="1" name=""/>
+        <p:cNvGrpSpPr/>
+        <p:nvPr/>
+      </p:nvGrpSpPr>
+      <p:grpSpPr>
+        <a:xfrm>
+          <a:off x="0" y="0"/>
+          <a:ext cx="0" cy="0"/>
+          <a:chOff x="0" y="0"/>
+          <a:chExt cx="0" cy="0"/>
+        </a:xfrm>
+      </p:grpSpPr>
+      <p:sp>
+        <p:nvSpPr>
+          <p:cNvPr id="4" name="Title 3">
+            <a:extLst>
+              <a:ext uri="{FF2B5EF4-FFF2-40B4-BE49-F238E27FC236}">
+                <a16:creationId xmlns:a16="http://schemas.microsoft.com/office/drawing/2014/main" id="{683B08DC-81E0-451C-B18E-CF5F883C4470}"/>
+              </a:ext>
+            </a:extLst>
+          </p:cNvPr>
+          <p:cNvSpPr>
+            <a:spLocks noGrp="1"/>
+          </p:cNvSpPr>
+          <p:nvPr>
+            <p:ph type="title"/>
+          </p:nvPr>
+        </p:nvSpPr>
+        <p:spPr>
+          <a:xfrm>
+            <a:off x="1066800" y="2438400"/>
+            <a:ext cx="10058400" cy="1143000"/>
+          </a:xfrm>
+        </p:spPr>
+        <p:txBody>
+          <a:bodyPr>
+            <a:normAutofit/>
+          </a:bodyPr>
+          <a:lstStyle/>
+          <a:p>
+            <a:r>
+              <a:rPr lang="en-US" sz="5400" dirty="0"/>
+              <a:t>Free Throws Win Games!!!</a:t>
+            </a:r>
+          </a:p>
+        </p:txBody>
+      </p:sp>
+    </p:spTree>
+    <p:extLst>
+      <p:ext uri="{BB962C8B-B14F-4D97-AF65-F5344CB8AC3E}">
+        <p14:creationId xmlns:p14="http://schemas.microsoft.com/office/powerpoint/2010/main" val="929333685"/>
+      </p:ext>
+    </p:extLst>
+  </p:cSld>
+  <p:clrMapOvr>
+    <a:masterClrMapping/>
+  </p:clrMapOvr>
+  <mc:AlternateContent xmlns:mc="http://schemas.openxmlformats.org/markup-compatibility/2006" xmlns:p14="http://schemas.microsoft.com/office/powerpoint/2010/main">
+    <mc:Choice Requires="p14">
+      <p:transition spd="med" p14:dur="700">
+        <p:fade/>
+      </p:transition>
+    </mc:Choice>
+    <mc:Fallback xmlns="">
+      <p:transition spd="med">
+        <p:fade/>
+      </p:transition>
+    </mc:Fallback>
+  </mc:AlternateContent>
+</p:sld>
+</file>
+
+<file path=ppt/slides/slide18.xml><?xml version="1.0" encoding="utf-8"?>
+<p:sld xmlns:a="http://schemas.openxmlformats.org/drawingml/2006/main" xmlns:r="http://schemas.openxmlformats.org/officeDocument/2006/relationships" xmlns:p="http://schemas.openxmlformats.org/presentationml/2006/main" show="0">
   <p:cSld>
     <p:spTree>
       <p:nvGrpSpPr>
@@ -4509,13 +5048,13 @@
   <p:clrMapOvr>
     <a:masterClrMapping/>
   </p:clrMapOvr>
-  <mc:AlternateContent xmlns:mc="http://schemas.openxmlformats.org/markup-compatibility/2006" xmlns:p14="http://schemas.microsoft.com/office/powerpoint/2010/main">
-    <mc:Choice Requires="p14">
+  <mc:AlternateContent xmlns:mc="http://schemas.openxmlformats.org/markup-compatibility/2006">
+    <mc:Choice xmlns:p14="http://schemas.microsoft.com/office/powerpoint/2010/main" Requires="p14">
       <p:transition spd="med" p14:dur="700">
         <p:fade/>
       </p:transition>
     </mc:Choice>
-    <mc:Fallback xmlns="">
+    <mc:Fallback>
       <p:transition spd="med">
         <p:fade/>
       </p:transition>
@@ -4524,8 +5063,8 @@
 </p:sld>
 </file>
 
-<file path=ppt/slides/slide17.xml><?xml version="1.0" encoding="utf-8"?>
-<p:sld xmlns:a="http://schemas.openxmlformats.org/drawingml/2006/main" xmlns:r="http://schemas.openxmlformats.org/officeDocument/2006/relationships" xmlns:p="http://schemas.openxmlformats.org/presentationml/2006/main">
+<file path=ppt/slides/slide19.xml><?xml version="1.0" encoding="utf-8"?>
+<p:sld xmlns:a="http://schemas.openxmlformats.org/drawingml/2006/main" xmlns:r="http://schemas.openxmlformats.org/officeDocument/2006/relationships" xmlns:p="http://schemas.openxmlformats.org/presentationml/2006/main" show="0">
   <p:cSld>
     <p:spTree>
       <p:nvGrpSpPr>
@@ -4638,263 +5177,13 @@
   <p:clrMapOvr>
     <a:masterClrMapping/>
   </p:clrMapOvr>
-  <mc:AlternateContent xmlns:mc="http://schemas.openxmlformats.org/markup-compatibility/2006" xmlns:p14="http://schemas.microsoft.com/office/powerpoint/2010/main">
-    <mc:Choice Requires="p14">
+  <mc:AlternateContent xmlns:mc="http://schemas.openxmlformats.org/markup-compatibility/2006">
+    <mc:Choice xmlns:p14="http://schemas.microsoft.com/office/powerpoint/2010/main" Requires="p14">
       <p:transition spd="med" p14:dur="700">
         <p:fade/>
       </p:transition>
     </mc:Choice>
-    <mc:Fallback xmlns="">
-      <p:transition spd="med">
-        <p:fade/>
-      </p:transition>
-    </mc:Fallback>
-  </mc:AlternateContent>
-</p:sld>
-</file>
-
-<file path=ppt/slides/slide18.xml><?xml version="1.0" encoding="utf-8"?>
-<p:sld xmlns:a="http://schemas.openxmlformats.org/drawingml/2006/main" xmlns:r="http://schemas.openxmlformats.org/officeDocument/2006/relationships" xmlns:p="http://schemas.openxmlformats.org/presentationml/2006/main">
-  <p:cSld>
-    <p:spTree>
-      <p:nvGrpSpPr>
-        <p:cNvPr id="1" name=""/>
-        <p:cNvGrpSpPr/>
-        <p:nvPr/>
-      </p:nvGrpSpPr>
-      <p:grpSpPr>
-        <a:xfrm>
-          <a:off x="0" y="0"/>
-          <a:ext cx="0" cy="0"/>
-          <a:chOff x="0" y="0"/>
-          <a:chExt cx="0" cy="0"/>
-        </a:xfrm>
-      </p:grpSpPr>
-      <p:sp>
-        <p:nvSpPr>
-          <p:cNvPr id="2" name="Title 1">
-            <a:extLst>
-              <a:ext uri="{FF2B5EF4-FFF2-40B4-BE49-F238E27FC236}">
-                <a16:creationId xmlns:a16="http://schemas.microsoft.com/office/drawing/2014/main" id="{5B198216-7C4D-4438-8F5F-016A0B94D7BF}"/>
-              </a:ext>
-            </a:extLst>
-          </p:cNvPr>
-          <p:cNvSpPr>
-            <a:spLocks noGrp="1"/>
-          </p:cNvSpPr>
-          <p:nvPr>
-            <p:ph type="title"/>
-          </p:nvPr>
-        </p:nvSpPr>
-        <p:spPr/>
-        <p:txBody>
-          <a:bodyPr>
-            <a:normAutofit/>
-          </a:bodyPr>
-          <a:lstStyle/>
-          <a:p>
-            <a:r>
-              <a:rPr lang="en-US" dirty="0"/>
-              <a:t>Highest Feature Importance – Rebounds 2015 – 2016 Season</a:t>
-            </a:r>
-          </a:p>
-        </p:txBody>
-      </p:sp>
-      <p:pic>
-        <p:nvPicPr>
-          <p:cNvPr id="6" name="Content Placeholder 5">
-            <a:extLst>
-              <a:ext uri="{FF2B5EF4-FFF2-40B4-BE49-F238E27FC236}">
-                <a16:creationId xmlns:a16="http://schemas.microsoft.com/office/drawing/2014/main" id="{80B6E2AA-0F44-4482-A952-BC091C78ED15}"/>
-              </a:ext>
-            </a:extLst>
-          </p:cNvPr>
-          <p:cNvPicPr>
-            <a:picLocks noGrp="1" noChangeAspect="1"/>
-          </p:cNvPicPr>
-          <p:nvPr>
-            <p:ph idx="1"/>
-          </p:nvPr>
-        </p:nvPicPr>
-        <p:blipFill>
-          <a:blip r:embed="rId2"/>
-          <a:stretch>
-            <a:fillRect/>
-          </a:stretch>
-        </p:blipFill>
-        <p:spPr>
-          <a:xfrm>
-            <a:off x="609600" y="1476240"/>
-            <a:ext cx="6172200" cy="3905520"/>
-          </a:xfrm>
-        </p:spPr>
-      </p:pic>
-      <p:sp>
-        <p:nvSpPr>
-          <p:cNvPr id="4" name="Text Placeholder 3">
-            <a:extLst>
-              <a:ext uri="{FF2B5EF4-FFF2-40B4-BE49-F238E27FC236}">
-                <a16:creationId xmlns:a16="http://schemas.microsoft.com/office/drawing/2014/main" id="{8759226B-1A37-4D7B-BC4A-A16D366E60DD}"/>
-              </a:ext>
-            </a:extLst>
-          </p:cNvPr>
-          <p:cNvSpPr>
-            <a:spLocks noGrp="1"/>
-          </p:cNvSpPr>
-          <p:nvPr>
-            <p:ph type="body" sz="half" idx="2"/>
-          </p:nvPr>
-        </p:nvSpPr>
-        <p:spPr/>
-        <p:txBody>
-          <a:bodyPr/>
-          <a:lstStyle/>
-          <a:p>
-            <a:endParaRPr lang="en-US"/>
-          </a:p>
-        </p:txBody>
-      </p:sp>
-    </p:spTree>
-    <p:extLst>
-      <p:ext uri="{BB962C8B-B14F-4D97-AF65-F5344CB8AC3E}">
-        <p14:creationId xmlns:p14="http://schemas.microsoft.com/office/powerpoint/2010/main" val="3359947475"/>
-      </p:ext>
-    </p:extLst>
-  </p:cSld>
-  <p:clrMapOvr>
-    <a:masterClrMapping/>
-  </p:clrMapOvr>
-  <mc:AlternateContent xmlns:mc="http://schemas.openxmlformats.org/markup-compatibility/2006" xmlns:p14="http://schemas.microsoft.com/office/powerpoint/2010/main">
-    <mc:Choice Requires="p14">
-      <p:transition spd="med" p14:dur="700">
-        <p:fade/>
-      </p:transition>
-    </mc:Choice>
-    <mc:Fallback xmlns="">
-      <p:transition spd="med">
-        <p:fade/>
-      </p:transition>
-    </mc:Fallback>
-  </mc:AlternateContent>
-</p:sld>
-</file>
-
-<file path=ppt/slides/slide19.xml><?xml version="1.0" encoding="utf-8"?>
-<p:sld xmlns:a="http://schemas.openxmlformats.org/drawingml/2006/main" xmlns:r="http://schemas.openxmlformats.org/officeDocument/2006/relationships" xmlns:p="http://schemas.openxmlformats.org/presentationml/2006/main">
-  <p:cSld>
-    <p:spTree>
-      <p:nvGrpSpPr>
-        <p:cNvPr id="1" name=""/>
-        <p:cNvGrpSpPr/>
-        <p:nvPr/>
-      </p:nvGrpSpPr>
-      <p:grpSpPr>
-        <a:xfrm>
-          <a:off x="0" y="0"/>
-          <a:ext cx="0" cy="0"/>
-          <a:chOff x="0" y="0"/>
-          <a:chExt cx="0" cy="0"/>
-        </a:xfrm>
-      </p:grpSpPr>
-      <p:sp>
-        <p:nvSpPr>
-          <p:cNvPr id="2" name="Title 1">
-            <a:extLst>
-              <a:ext uri="{FF2B5EF4-FFF2-40B4-BE49-F238E27FC236}">
-                <a16:creationId xmlns:a16="http://schemas.microsoft.com/office/drawing/2014/main" id="{0504F8E1-4C46-4881-BCB1-8367A978D38B}"/>
-              </a:ext>
-            </a:extLst>
-          </p:cNvPr>
-          <p:cNvSpPr>
-            <a:spLocks noGrp="1"/>
-          </p:cNvSpPr>
-          <p:nvPr>
-            <p:ph type="title"/>
-          </p:nvPr>
-        </p:nvSpPr>
-        <p:spPr/>
-        <p:txBody>
-          <a:bodyPr/>
-          <a:lstStyle/>
-          <a:p>
-            <a:r>
-              <a:rPr lang="en-US" dirty="0"/>
-              <a:t>Highest Feature Importance – Rebounds 2018 – 2019 Season</a:t>
-            </a:r>
-          </a:p>
-        </p:txBody>
-      </p:sp>
-      <p:pic>
-        <p:nvPicPr>
-          <p:cNvPr id="6" name="Content Placeholder 5">
-            <a:extLst>
-              <a:ext uri="{FF2B5EF4-FFF2-40B4-BE49-F238E27FC236}">
-                <a16:creationId xmlns:a16="http://schemas.microsoft.com/office/drawing/2014/main" id="{F74F706B-348D-4B9F-A267-996D28C0FC4B}"/>
-              </a:ext>
-            </a:extLst>
-          </p:cNvPr>
-          <p:cNvPicPr>
-            <a:picLocks noGrp="1" noChangeAspect="1"/>
-          </p:cNvPicPr>
-          <p:nvPr>
-            <p:ph idx="1"/>
-          </p:nvPr>
-        </p:nvPicPr>
-        <p:blipFill>
-          <a:blip r:embed="rId2"/>
-          <a:stretch>
-            <a:fillRect/>
-          </a:stretch>
-        </p:blipFill>
-        <p:spPr>
-          <a:xfrm>
-            <a:off x="609600" y="1448714"/>
-            <a:ext cx="6172200" cy="3960572"/>
-          </a:xfrm>
-        </p:spPr>
-      </p:pic>
-      <p:sp>
-        <p:nvSpPr>
-          <p:cNvPr id="4" name="Text Placeholder 3">
-            <a:extLst>
-              <a:ext uri="{FF2B5EF4-FFF2-40B4-BE49-F238E27FC236}">
-                <a16:creationId xmlns:a16="http://schemas.microsoft.com/office/drawing/2014/main" id="{52CFE4F2-6DF6-48D0-89A6-C9F2E35498BB}"/>
-              </a:ext>
-            </a:extLst>
-          </p:cNvPr>
-          <p:cNvSpPr>
-            <a:spLocks noGrp="1"/>
-          </p:cNvSpPr>
-          <p:nvPr>
-            <p:ph type="body" sz="half" idx="2"/>
-          </p:nvPr>
-        </p:nvSpPr>
-        <p:spPr/>
-        <p:txBody>
-          <a:bodyPr/>
-          <a:lstStyle/>
-          <a:p>
-            <a:endParaRPr lang="en-US"/>
-          </a:p>
-        </p:txBody>
-      </p:sp>
-    </p:spTree>
-    <p:extLst>
-      <p:ext uri="{BB962C8B-B14F-4D97-AF65-F5344CB8AC3E}">
-        <p14:creationId xmlns:p14="http://schemas.microsoft.com/office/powerpoint/2010/main" val="3852826271"/>
-      </p:ext>
-    </p:extLst>
-  </p:cSld>
-  <p:clrMapOvr>
-    <a:masterClrMapping/>
-  </p:clrMapOvr>
-  <mc:AlternateContent xmlns:mc="http://schemas.openxmlformats.org/markup-compatibility/2006" xmlns:p14="http://schemas.microsoft.com/office/powerpoint/2010/main">
-    <mc:Choice Requires="p14">
-      <p:transition spd="med" p14:dur="700">
-        <p:fade/>
-      </p:transition>
-    </mc:Choice>
-    <mc:Fallback xmlns="">
+    <mc:Fallback>
       <p:transition spd="med">
         <p:fade/>
       </p:transition>
@@ -5089,7 +5378,7 @@
 </file>
 
 <file path=ppt/slides/slide20.xml><?xml version="1.0" encoding="utf-8"?>
-<p:sld xmlns:a="http://schemas.openxmlformats.org/drawingml/2006/main" xmlns:r="http://schemas.openxmlformats.org/officeDocument/2006/relationships" xmlns:p="http://schemas.openxmlformats.org/presentationml/2006/main">
+<p:sld xmlns:a="http://schemas.openxmlformats.org/drawingml/2006/main" xmlns:r="http://schemas.openxmlformats.org/officeDocument/2006/relationships" xmlns:p="http://schemas.openxmlformats.org/presentationml/2006/main" show="0">
   <p:cSld>
     <p:spTree>
       <p:nvGrpSpPr>
@@ -5110,6 +5399,256 @@
           <p:cNvPr id="2" name="Title 1">
             <a:extLst>
               <a:ext uri="{FF2B5EF4-FFF2-40B4-BE49-F238E27FC236}">
+                <a16:creationId xmlns:a16="http://schemas.microsoft.com/office/drawing/2014/main" id="{5B198216-7C4D-4438-8F5F-016A0B94D7BF}"/>
+              </a:ext>
+            </a:extLst>
+          </p:cNvPr>
+          <p:cNvSpPr>
+            <a:spLocks noGrp="1"/>
+          </p:cNvSpPr>
+          <p:nvPr>
+            <p:ph type="title"/>
+          </p:nvPr>
+        </p:nvSpPr>
+        <p:spPr/>
+        <p:txBody>
+          <a:bodyPr>
+            <a:normAutofit/>
+          </a:bodyPr>
+          <a:lstStyle/>
+          <a:p>
+            <a:r>
+              <a:rPr lang="en-US" dirty="0"/>
+              <a:t>Highest Feature Importance – Rebounds 2015 – 2016 Season</a:t>
+            </a:r>
+          </a:p>
+        </p:txBody>
+      </p:sp>
+      <p:pic>
+        <p:nvPicPr>
+          <p:cNvPr id="6" name="Content Placeholder 5">
+            <a:extLst>
+              <a:ext uri="{FF2B5EF4-FFF2-40B4-BE49-F238E27FC236}">
+                <a16:creationId xmlns:a16="http://schemas.microsoft.com/office/drawing/2014/main" id="{80B6E2AA-0F44-4482-A952-BC091C78ED15}"/>
+              </a:ext>
+            </a:extLst>
+          </p:cNvPr>
+          <p:cNvPicPr>
+            <a:picLocks noGrp="1" noChangeAspect="1"/>
+          </p:cNvPicPr>
+          <p:nvPr>
+            <p:ph idx="1"/>
+          </p:nvPr>
+        </p:nvPicPr>
+        <p:blipFill>
+          <a:blip r:embed="rId2"/>
+          <a:stretch>
+            <a:fillRect/>
+          </a:stretch>
+        </p:blipFill>
+        <p:spPr>
+          <a:xfrm>
+            <a:off x="609600" y="1476240"/>
+            <a:ext cx="6172200" cy="3905520"/>
+          </a:xfrm>
+        </p:spPr>
+      </p:pic>
+      <p:sp>
+        <p:nvSpPr>
+          <p:cNvPr id="4" name="Text Placeholder 3">
+            <a:extLst>
+              <a:ext uri="{FF2B5EF4-FFF2-40B4-BE49-F238E27FC236}">
+                <a16:creationId xmlns:a16="http://schemas.microsoft.com/office/drawing/2014/main" id="{8759226B-1A37-4D7B-BC4A-A16D366E60DD}"/>
+              </a:ext>
+            </a:extLst>
+          </p:cNvPr>
+          <p:cNvSpPr>
+            <a:spLocks noGrp="1"/>
+          </p:cNvSpPr>
+          <p:nvPr>
+            <p:ph type="body" sz="half" idx="2"/>
+          </p:nvPr>
+        </p:nvSpPr>
+        <p:spPr/>
+        <p:txBody>
+          <a:bodyPr/>
+          <a:lstStyle/>
+          <a:p>
+            <a:endParaRPr lang="en-US"/>
+          </a:p>
+        </p:txBody>
+      </p:sp>
+    </p:spTree>
+    <p:extLst>
+      <p:ext uri="{BB962C8B-B14F-4D97-AF65-F5344CB8AC3E}">
+        <p14:creationId xmlns:p14="http://schemas.microsoft.com/office/powerpoint/2010/main" val="3359947475"/>
+      </p:ext>
+    </p:extLst>
+  </p:cSld>
+  <p:clrMapOvr>
+    <a:masterClrMapping/>
+  </p:clrMapOvr>
+  <mc:AlternateContent xmlns:mc="http://schemas.openxmlformats.org/markup-compatibility/2006">
+    <mc:Choice xmlns:p14="http://schemas.microsoft.com/office/powerpoint/2010/main" Requires="p14">
+      <p:transition spd="med" p14:dur="700">
+        <p:fade/>
+      </p:transition>
+    </mc:Choice>
+    <mc:Fallback>
+      <p:transition spd="med">
+        <p:fade/>
+      </p:transition>
+    </mc:Fallback>
+  </mc:AlternateContent>
+</p:sld>
+</file>
+
+<file path=ppt/slides/slide21.xml><?xml version="1.0" encoding="utf-8"?>
+<p:sld xmlns:a="http://schemas.openxmlformats.org/drawingml/2006/main" xmlns:r="http://schemas.openxmlformats.org/officeDocument/2006/relationships" xmlns:p="http://schemas.openxmlformats.org/presentationml/2006/main" show="0">
+  <p:cSld>
+    <p:spTree>
+      <p:nvGrpSpPr>
+        <p:cNvPr id="1" name=""/>
+        <p:cNvGrpSpPr/>
+        <p:nvPr/>
+      </p:nvGrpSpPr>
+      <p:grpSpPr>
+        <a:xfrm>
+          <a:off x="0" y="0"/>
+          <a:ext cx="0" cy="0"/>
+          <a:chOff x="0" y="0"/>
+          <a:chExt cx="0" cy="0"/>
+        </a:xfrm>
+      </p:grpSpPr>
+      <p:sp>
+        <p:nvSpPr>
+          <p:cNvPr id="2" name="Title 1">
+            <a:extLst>
+              <a:ext uri="{FF2B5EF4-FFF2-40B4-BE49-F238E27FC236}">
+                <a16:creationId xmlns:a16="http://schemas.microsoft.com/office/drawing/2014/main" id="{0504F8E1-4C46-4881-BCB1-8367A978D38B}"/>
+              </a:ext>
+            </a:extLst>
+          </p:cNvPr>
+          <p:cNvSpPr>
+            <a:spLocks noGrp="1"/>
+          </p:cNvSpPr>
+          <p:nvPr>
+            <p:ph type="title"/>
+          </p:nvPr>
+        </p:nvSpPr>
+        <p:spPr/>
+        <p:txBody>
+          <a:bodyPr/>
+          <a:lstStyle/>
+          <a:p>
+            <a:r>
+              <a:rPr lang="en-US" dirty="0"/>
+              <a:t>Highest Feature Importance – Rebounds 2018 – 2019 Season</a:t>
+            </a:r>
+          </a:p>
+        </p:txBody>
+      </p:sp>
+      <p:pic>
+        <p:nvPicPr>
+          <p:cNvPr id="6" name="Content Placeholder 5">
+            <a:extLst>
+              <a:ext uri="{FF2B5EF4-FFF2-40B4-BE49-F238E27FC236}">
+                <a16:creationId xmlns:a16="http://schemas.microsoft.com/office/drawing/2014/main" id="{F74F706B-348D-4B9F-A267-996D28C0FC4B}"/>
+              </a:ext>
+            </a:extLst>
+          </p:cNvPr>
+          <p:cNvPicPr>
+            <a:picLocks noGrp="1" noChangeAspect="1"/>
+          </p:cNvPicPr>
+          <p:nvPr>
+            <p:ph idx="1"/>
+          </p:nvPr>
+        </p:nvPicPr>
+        <p:blipFill>
+          <a:blip r:embed="rId2"/>
+          <a:stretch>
+            <a:fillRect/>
+          </a:stretch>
+        </p:blipFill>
+        <p:spPr>
+          <a:xfrm>
+            <a:off x="609600" y="1448714"/>
+            <a:ext cx="6172200" cy="3960572"/>
+          </a:xfrm>
+        </p:spPr>
+      </p:pic>
+      <p:sp>
+        <p:nvSpPr>
+          <p:cNvPr id="4" name="Text Placeholder 3">
+            <a:extLst>
+              <a:ext uri="{FF2B5EF4-FFF2-40B4-BE49-F238E27FC236}">
+                <a16:creationId xmlns:a16="http://schemas.microsoft.com/office/drawing/2014/main" id="{52CFE4F2-6DF6-48D0-89A6-C9F2E35498BB}"/>
+              </a:ext>
+            </a:extLst>
+          </p:cNvPr>
+          <p:cNvSpPr>
+            <a:spLocks noGrp="1"/>
+          </p:cNvSpPr>
+          <p:nvPr>
+            <p:ph type="body" sz="half" idx="2"/>
+          </p:nvPr>
+        </p:nvSpPr>
+        <p:spPr/>
+        <p:txBody>
+          <a:bodyPr/>
+          <a:lstStyle/>
+          <a:p>
+            <a:endParaRPr lang="en-US"/>
+          </a:p>
+        </p:txBody>
+      </p:sp>
+    </p:spTree>
+    <p:extLst>
+      <p:ext uri="{BB962C8B-B14F-4D97-AF65-F5344CB8AC3E}">
+        <p14:creationId xmlns:p14="http://schemas.microsoft.com/office/powerpoint/2010/main" val="3852826271"/>
+      </p:ext>
+    </p:extLst>
+  </p:cSld>
+  <p:clrMapOvr>
+    <a:masterClrMapping/>
+  </p:clrMapOvr>
+  <mc:AlternateContent xmlns:mc="http://schemas.openxmlformats.org/markup-compatibility/2006">
+    <mc:Choice xmlns:p14="http://schemas.microsoft.com/office/powerpoint/2010/main" Requires="p14">
+      <p:transition spd="med" p14:dur="700">
+        <p:fade/>
+      </p:transition>
+    </mc:Choice>
+    <mc:Fallback>
+      <p:transition spd="med">
+        <p:fade/>
+      </p:transition>
+    </mc:Fallback>
+  </mc:AlternateContent>
+</p:sld>
+</file>
+
+<file path=ppt/slides/slide22.xml><?xml version="1.0" encoding="utf-8"?>
+<p:sld xmlns:a="http://schemas.openxmlformats.org/drawingml/2006/main" xmlns:r="http://schemas.openxmlformats.org/officeDocument/2006/relationships" xmlns:p="http://schemas.openxmlformats.org/presentationml/2006/main" show="0">
+  <p:cSld>
+    <p:spTree>
+      <p:nvGrpSpPr>
+        <p:cNvPr id="1" name=""/>
+        <p:cNvGrpSpPr/>
+        <p:nvPr/>
+      </p:nvGrpSpPr>
+      <p:grpSpPr>
+        <a:xfrm>
+          <a:off x="0" y="0"/>
+          <a:ext cx="0" cy="0"/>
+          <a:chOff x="0" y="0"/>
+          <a:chExt cx="0" cy="0"/>
+        </a:xfrm>
+      </p:grpSpPr>
+      <p:sp>
+        <p:nvSpPr>
+          <p:cNvPr id="2" name="Title 1">
+            <a:extLst>
+              <a:ext uri="{FF2B5EF4-FFF2-40B4-BE49-F238E27FC236}">
                 <a16:creationId xmlns:a16="http://schemas.microsoft.com/office/drawing/2014/main" id="{A5F4419D-4782-46CA-A95A-C69E9C950880}"/>
               </a:ext>
             </a:extLst>
@@ -5200,13 +5739,13 @@
   <p:clrMapOvr>
     <a:masterClrMapping/>
   </p:clrMapOvr>
-  <mc:AlternateContent xmlns:mc="http://schemas.openxmlformats.org/markup-compatibility/2006" xmlns:p14="http://schemas.microsoft.com/office/powerpoint/2010/main">
-    <mc:Choice Requires="p14">
+  <mc:AlternateContent xmlns:mc="http://schemas.openxmlformats.org/markup-compatibility/2006">
+    <mc:Choice xmlns:p14="http://schemas.microsoft.com/office/powerpoint/2010/main" Requires="p14">
       <p:transition spd="med" p14:dur="700">
         <p:fade/>
       </p:transition>
     </mc:Choice>
-    <mc:Fallback xmlns="">
+    <mc:Fallback>
       <p:transition spd="med">
         <p:fade/>
       </p:transition>
@@ -5215,8 +5754,8 @@
 </p:sld>
 </file>
 
-<file path=ppt/slides/slide21.xml><?xml version="1.0" encoding="utf-8"?>
-<p:sld xmlns:a="http://schemas.openxmlformats.org/drawingml/2006/main" xmlns:r="http://schemas.openxmlformats.org/officeDocument/2006/relationships" xmlns:p="http://schemas.openxmlformats.org/presentationml/2006/main">
+<file path=ppt/slides/slide23.xml><?xml version="1.0" encoding="utf-8"?>
+<p:sld xmlns:a="http://schemas.openxmlformats.org/drawingml/2006/main" xmlns:r="http://schemas.openxmlformats.org/officeDocument/2006/relationships" xmlns:p="http://schemas.openxmlformats.org/presentationml/2006/main" show="0">
   <p:cSld>
     <p:spTree>
       <p:nvGrpSpPr>
@@ -5362,13 +5901,13 @@
   <p:clrMapOvr>
     <a:masterClrMapping/>
   </p:clrMapOvr>
-  <mc:AlternateContent xmlns:mc="http://schemas.openxmlformats.org/markup-compatibility/2006" xmlns:p14="http://schemas.microsoft.com/office/powerpoint/2010/main">
-    <mc:Choice Requires="p14">
+  <mc:AlternateContent xmlns:mc="http://schemas.openxmlformats.org/markup-compatibility/2006">
+    <mc:Choice xmlns:p14="http://schemas.microsoft.com/office/powerpoint/2010/main" Requires="p14">
       <p:transition spd="med" p14:dur="700">
         <p:fade/>
       </p:transition>
     </mc:Choice>
-    <mc:Fallback xmlns="">
+    <mc:Fallback>
       <p:transition spd="med">
         <p:fade/>
       </p:transition>
@@ -5377,8 +5916,8 @@
 </p:sld>
 </file>
 
-<file path=ppt/slides/slide22.xml><?xml version="1.0" encoding="utf-8"?>
-<p:sld xmlns:a="http://schemas.openxmlformats.org/drawingml/2006/main" xmlns:r="http://schemas.openxmlformats.org/officeDocument/2006/relationships" xmlns:p="http://schemas.openxmlformats.org/presentationml/2006/main">
+<file path=ppt/slides/slide24.xml><?xml version="1.0" encoding="utf-8"?>
+<p:sld xmlns:a="http://schemas.openxmlformats.org/drawingml/2006/main" xmlns:r="http://schemas.openxmlformats.org/officeDocument/2006/relationships" xmlns:p="http://schemas.openxmlformats.org/presentationml/2006/main" show="0">
   <p:cSld>
     <p:spTree>
       <p:nvGrpSpPr>
@@ -5524,13 +6063,13 @@
   <p:clrMapOvr>
     <a:masterClrMapping/>
   </p:clrMapOvr>
-  <mc:AlternateContent xmlns:mc="http://schemas.openxmlformats.org/markup-compatibility/2006" xmlns:p14="http://schemas.microsoft.com/office/powerpoint/2010/main">
-    <mc:Choice Requires="p14">
+  <mc:AlternateContent xmlns:mc="http://schemas.openxmlformats.org/markup-compatibility/2006">
+    <mc:Choice xmlns:p14="http://schemas.microsoft.com/office/powerpoint/2010/main" Requires="p14">
       <p:transition spd="med" p14:dur="700">
         <p:fade/>
       </p:transition>
     </mc:Choice>
-    <mc:Fallback xmlns="">
+    <mc:Fallback>
       <p:transition spd="med">
         <p:fade/>
       </p:transition>
@@ -5539,8 +6078,8 @@
 </p:sld>
 </file>
 
-<file path=ppt/slides/slide23.xml><?xml version="1.0" encoding="utf-8"?>
-<p:sld xmlns:a="http://schemas.openxmlformats.org/drawingml/2006/main" xmlns:r="http://schemas.openxmlformats.org/officeDocument/2006/relationships" xmlns:p="http://schemas.openxmlformats.org/presentationml/2006/main">
+<file path=ppt/slides/slide25.xml><?xml version="1.0" encoding="utf-8"?>
+<p:sld xmlns:a="http://schemas.openxmlformats.org/drawingml/2006/main" xmlns:r="http://schemas.openxmlformats.org/officeDocument/2006/relationships" xmlns:p="http://schemas.openxmlformats.org/presentationml/2006/main" show="0">
   <p:cSld>
     <p:spTree>
       <p:nvGrpSpPr>
@@ -5686,13 +6225,13 @@
   <p:clrMapOvr>
     <a:masterClrMapping/>
   </p:clrMapOvr>
-  <mc:AlternateContent xmlns:mc="http://schemas.openxmlformats.org/markup-compatibility/2006" xmlns:p14="http://schemas.microsoft.com/office/powerpoint/2010/main">
-    <mc:Choice Requires="p14">
+  <mc:AlternateContent xmlns:mc="http://schemas.openxmlformats.org/markup-compatibility/2006">
+    <mc:Choice xmlns:p14="http://schemas.microsoft.com/office/powerpoint/2010/main" Requires="p14">
       <p:transition spd="med" p14:dur="700">
         <p:fade/>
       </p:transition>
     </mc:Choice>
-    <mc:Fallback xmlns="">
+    <mc:Fallback>
       <p:transition spd="med">
         <p:fade/>
       </p:transition>
@@ -5701,8 +6240,8 @@
 </p:sld>
 </file>
 
-<file path=ppt/slides/slide24.xml><?xml version="1.0" encoding="utf-8"?>
-<p:sld xmlns:a="http://schemas.openxmlformats.org/drawingml/2006/main" xmlns:r="http://schemas.openxmlformats.org/officeDocument/2006/relationships" xmlns:p="http://schemas.openxmlformats.org/presentationml/2006/main">
+<file path=ppt/slides/slide26.xml><?xml version="1.0" encoding="utf-8"?>
+<p:sld xmlns:a="http://schemas.openxmlformats.org/drawingml/2006/main" xmlns:r="http://schemas.openxmlformats.org/officeDocument/2006/relationships" xmlns:p="http://schemas.openxmlformats.org/presentationml/2006/main" show="0">
   <p:cSld>
     <p:spTree>
       <p:nvGrpSpPr>
@@ -5816,13 +6355,13 @@
   <p:clrMapOvr>
     <a:masterClrMapping/>
   </p:clrMapOvr>
-  <mc:AlternateContent xmlns:mc="http://schemas.openxmlformats.org/markup-compatibility/2006" xmlns:p14="http://schemas.microsoft.com/office/powerpoint/2010/main">
-    <mc:Choice Requires="p14">
+  <mc:AlternateContent xmlns:mc="http://schemas.openxmlformats.org/markup-compatibility/2006">
+    <mc:Choice xmlns:p14="http://schemas.microsoft.com/office/powerpoint/2010/main" Requires="p14">
       <p:transition spd="med" p14:dur="700">
         <p:fade/>
       </p:transition>
     </mc:Choice>
-    <mc:Fallback xmlns="">
+    <mc:Fallback>
       <p:transition spd="med">
         <p:fade/>
       </p:transition>
@@ -5831,8 +6370,8 @@
 </p:sld>
 </file>
 
-<file path=ppt/slides/slide25.xml><?xml version="1.0" encoding="utf-8"?>
-<p:sld xmlns:a="http://schemas.openxmlformats.org/drawingml/2006/main" xmlns:r="http://schemas.openxmlformats.org/officeDocument/2006/relationships" xmlns:p="http://schemas.openxmlformats.org/presentationml/2006/main">
+<file path=ppt/slides/slide27.xml><?xml version="1.0" encoding="utf-8"?>
+<p:sld xmlns:a="http://schemas.openxmlformats.org/drawingml/2006/main" xmlns:r="http://schemas.openxmlformats.org/officeDocument/2006/relationships" xmlns:p="http://schemas.openxmlformats.org/presentationml/2006/main" show="0">
   <p:cSld>
     <p:spTree>
       <p:nvGrpSpPr>
@@ -5960,13 +6499,13 @@
   <p:clrMapOvr>
     <a:masterClrMapping/>
   </p:clrMapOvr>
-  <mc:AlternateContent xmlns:mc="http://schemas.openxmlformats.org/markup-compatibility/2006" xmlns:p14="http://schemas.microsoft.com/office/powerpoint/2010/main">
-    <mc:Choice Requires="p14">
+  <mc:AlternateContent xmlns:mc="http://schemas.openxmlformats.org/markup-compatibility/2006">
+    <mc:Choice xmlns:p14="http://schemas.microsoft.com/office/powerpoint/2010/main" Requires="p14">
       <p:transition spd="med" p14:dur="700">
         <p:fade/>
       </p:transition>
     </mc:Choice>
-    <mc:Fallback xmlns="">
+    <mc:Fallback>
       <p:transition spd="med">
         <p:fade/>
       </p:transition>
@@ -5975,8 +6514,8 @@
 </p:sld>
 </file>
 
-<file path=ppt/slides/slide26.xml><?xml version="1.0" encoding="utf-8"?>
-<p:sld xmlns:a="http://schemas.openxmlformats.org/drawingml/2006/main" xmlns:r="http://schemas.openxmlformats.org/officeDocument/2006/relationships" xmlns:p="http://schemas.openxmlformats.org/presentationml/2006/main">
+<file path=ppt/slides/slide28.xml><?xml version="1.0" encoding="utf-8"?>
+<p:sld xmlns:a="http://schemas.openxmlformats.org/drawingml/2006/main" xmlns:r="http://schemas.openxmlformats.org/officeDocument/2006/relationships" xmlns:p="http://schemas.openxmlformats.org/presentationml/2006/main" show="0">
   <p:cSld>
     <p:spTree>
       <p:nvGrpSpPr>
@@ -6311,13 +6850,13 @@
   <p:clrMapOvr>
     <a:masterClrMapping/>
   </p:clrMapOvr>
-  <mc:AlternateContent xmlns:mc="http://schemas.openxmlformats.org/markup-compatibility/2006" xmlns:p14="http://schemas.microsoft.com/office/powerpoint/2010/main">
-    <mc:Choice Requires="p14">
+  <mc:AlternateContent xmlns:mc="http://schemas.openxmlformats.org/markup-compatibility/2006">
+    <mc:Choice xmlns:p14="http://schemas.microsoft.com/office/powerpoint/2010/main" Requires="p14">
       <p:transition spd="med" p14:dur="700">
         <p:fade/>
       </p:transition>
     </mc:Choice>
-    <mc:Fallback xmlns="">
+    <mc:Fallback>
       <p:transition spd="med">
         <p:fade/>
       </p:transition>
@@ -6326,8 +6865,8 @@
 </p:sld>
 </file>
 
-<file path=ppt/slides/slide27.xml><?xml version="1.0" encoding="utf-8"?>
-<p:sld xmlns:a="http://schemas.openxmlformats.org/drawingml/2006/main" xmlns:r="http://schemas.openxmlformats.org/officeDocument/2006/relationships" xmlns:p="http://schemas.openxmlformats.org/presentationml/2006/main">
+<file path=ppt/slides/slide29.xml><?xml version="1.0" encoding="utf-8"?>
+<p:sld xmlns:a="http://schemas.openxmlformats.org/drawingml/2006/main" xmlns:r="http://schemas.openxmlformats.org/officeDocument/2006/relationships" xmlns:p="http://schemas.openxmlformats.org/presentationml/2006/main" show="0">
   <p:cSld>
     <p:spTree>
       <p:nvGrpSpPr>
@@ -6394,217 +6933,13 @@
   <p:clrMapOvr>
     <a:masterClrMapping/>
   </p:clrMapOvr>
-  <mc:AlternateContent xmlns:mc="http://schemas.openxmlformats.org/markup-compatibility/2006" xmlns:p14="http://schemas.microsoft.com/office/powerpoint/2010/main">
-    <mc:Choice Requires="p14">
+  <mc:AlternateContent xmlns:mc="http://schemas.openxmlformats.org/markup-compatibility/2006">
+    <mc:Choice xmlns:p14="http://schemas.microsoft.com/office/powerpoint/2010/main" Requires="p14">
       <p:transition spd="med" p14:dur="700">
         <p:fade/>
       </p:transition>
     </mc:Choice>
-    <mc:Fallback xmlns="">
-      <p:transition spd="med">
-        <p:fade/>
-      </p:transition>
-    </mc:Fallback>
-  </mc:AlternateContent>
-</p:sld>
-</file>
-
-<file path=ppt/slides/slide28.xml><?xml version="1.0" encoding="utf-8"?>
-<p:sld xmlns:a="http://schemas.openxmlformats.org/drawingml/2006/main" xmlns:r="http://schemas.openxmlformats.org/officeDocument/2006/relationships" xmlns:p="http://schemas.openxmlformats.org/presentationml/2006/main">
-  <p:cSld>
-    <p:spTree>
-      <p:nvGrpSpPr>
-        <p:cNvPr id="1" name=""/>
-        <p:cNvGrpSpPr/>
-        <p:nvPr/>
-      </p:nvGrpSpPr>
-      <p:grpSpPr>
-        <a:xfrm>
-          <a:off x="0" y="0"/>
-          <a:ext cx="0" cy="0"/>
-          <a:chOff x="0" y="0"/>
-          <a:chExt cx="0" cy="0"/>
-        </a:xfrm>
-      </p:grpSpPr>
-      <p:sp>
-        <p:nvSpPr>
-          <p:cNvPr id="2" name="Title 1"/>
-          <p:cNvSpPr>
-            <a:spLocks noGrp="1"/>
-          </p:cNvSpPr>
-          <p:nvPr>
-            <p:ph type="title"/>
-          </p:nvPr>
-        </p:nvSpPr>
-        <p:spPr/>
-        <p:txBody>
-          <a:bodyPr/>
-          <a:lstStyle/>
-          <a:p>
-            <a:r>
-              <a:rPr lang="en-US" dirty="0"/>
-              <a:t>Add a Slide Title - 2</a:t>
-            </a:r>
-          </a:p>
-        </p:txBody>
-      </p:sp>
-      <p:sp>
-        <p:nvSpPr>
-          <p:cNvPr id="3" name="Text Placeholder 2"/>
-          <p:cNvSpPr>
-            <a:spLocks noGrp="1"/>
-          </p:cNvSpPr>
-          <p:nvPr>
-            <p:ph type="body" idx="1"/>
-          </p:nvPr>
-        </p:nvSpPr>
-        <p:spPr/>
-        <p:txBody>
-          <a:bodyPr/>
-          <a:lstStyle/>
-          <a:p>
-            <a:endParaRPr lang="en-US"/>
-          </a:p>
-        </p:txBody>
-      </p:sp>
-      <p:sp>
-        <p:nvSpPr>
-          <p:cNvPr id="4" name="Content Placeholder 3"/>
-          <p:cNvSpPr>
-            <a:spLocks noGrp="1"/>
-          </p:cNvSpPr>
-          <p:nvPr>
-            <p:ph sz="half" idx="2"/>
-          </p:nvPr>
-        </p:nvSpPr>
-        <p:spPr/>
-        <p:txBody>
-          <a:bodyPr/>
-          <a:lstStyle/>
-          <a:p>
-            <a:endParaRPr lang="en-US"/>
-          </a:p>
-        </p:txBody>
-      </p:sp>
-      <p:sp>
-        <p:nvSpPr>
-          <p:cNvPr id="5" name="Text Placeholder 4"/>
-          <p:cNvSpPr>
-            <a:spLocks noGrp="1"/>
-          </p:cNvSpPr>
-          <p:nvPr>
-            <p:ph type="body" sz="quarter" idx="3"/>
-          </p:nvPr>
-        </p:nvSpPr>
-        <p:spPr/>
-        <p:txBody>
-          <a:bodyPr/>
-          <a:lstStyle/>
-          <a:p>
-            <a:endParaRPr lang="en-US"/>
-          </a:p>
-        </p:txBody>
-      </p:sp>
-      <p:sp>
-        <p:nvSpPr>
-          <p:cNvPr id="6" name="Content Placeholder 5"/>
-          <p:cNvSpPr>
-            <a:spLocks noGrp="1"/>
-          </p:cNvSpPr>
-          <p:nvPr>
-            <p:ph sz="quarter" idx="4"/>
-          </p:nvPr>
-        </p:nvSpPr>
-        <p:spPr/>
-        <p:txBody>
-          <a:bodyPr/>
-          <a:lstStyle/>
-          <a:p>
-            <a:endParaRPr lang="en-US"/>
-          </a:p>
-        </p:txBody>
-      </p:sp>
-    </p:spTree>
-    <p:extLst>
-      <p:ext uri="{BB962C8B-B14F-4D97-AF65-F5344CB8AC3E}">
-        <p14:creationId xmlns:p14="http://schemas.microsoft.com/office/powerpoint/2010/main" val="4078798235"/>
-      </p:ext>
-    </p:extLst>
-  </p:cSld>
-  <p:clrMapOvr>
-    <a:masterClrMapping/>
-  </p:clrMapOvr>
-  <mc:AlternateContent xmlns:mc="http://schemas.openxmlformats.org/markup-compatibility/2006" xmlns:p14="http://schemas.microsoft.com/office/powerpoint/2010/main">
-    <mc:Choice Requires="p14">
-      <p:transition spd="med" p14:dur="700">
-        <p:fade/>
-      </p:transition>
-    </mc:Choice>
-    <mc:Fallback xmlns="">
-      <p:transition spd="med">
-        <p:fade/>
-      </p:transition>
-    </mc:Fallback>
-  </mc:AlternateContent>
-</p:sld>
-</file>
-
-<file path=ppt/slides/slide29.xml><?xml version="1.0" encoding="utf-8"?>
-<p:sld xmlns:a="http://schemas.openxmlformats.org/drawingml/2006/main" xmlns:r="http://schemas.openxmlformats.org/officeDocument/2006/relationships" xmlns:p="http://schemas.openxmlformats.org/presentationml/2006/main">
-  <p:cSld>
-    <p:spTree>
-      <p:nvGrpSpPr>
-        <p:cNvPr id="1" name=""/>
-        <p:cNvGrpSpPr/>
-        <p:nvPr/>
-      </p:nvGrpSpPr>
-      <p:grpSpPr>
-        <a:xfrm>
-          <a:off x="0" y="0"/>
-          <a:ext cx="0" cy="0"/>
-          <a:chOff x="0" y="0"/>
-          <a:chExt cx="0" cy="0"/>
-        </a:xfrm>
-      </p:grpSpPr>
-      <p:sp>
-        <p:nvSpPr>
-          <p:cNvPr id="2" name="Title 1"/>
-          <p:cNvSpPr>
-            <a:spLocks noGrp="1"/>
-          </p:cNvSpPr>
-          <p:nvPr>
-            <p:ph type="title"/>
-          </p:nvPr>
-        </p:nvSpPr>
-        <p:spPr/>
-        <p:txBody>
-          <a:bodyPr/>
-          <a:lstStyle/>
-          <a:p>
-            <a:r>
-              <a:rPr lang="en-US" dirty="0"/>
-              <a:t>Add a Slide Title - 3</a:t>
-            </a:r>
-          </a:p>
-        </p:txBody>
-      </p:sp>
-    </p:spTree>
-    <p:extLst>
-      <p:ext uri="{BB962C8B-B14F-4D97-AF65-F5344CB8AC3E}">
-        <p14:creationId xmlns:p14="http://schemas.microsoft.com/office/powerpoint/2010/main" val="1864551520"/>
-      </p:ext>
-    </p:extLst>
-  </p:cSld>
-  <p:clrMapOvr>
-    <a:masterClrMapping/>
-  </p:clrMapOvr>
-  <mc:AlternateContent xmlns:mc="http://schemas.openxmlformats.org/markup-compatibility/2006" xmlns:p14="http://schemas.microsoft.com/office/powerpoint/2010/main">
-    <mc:Choice Requires="p14">
-      <p:transition spd="med" p14:dur="700">
-        <p:fade/>
-      </p:transition>
-    </mc:Choice>
-    <mc:Fallback xmlns="">
+    <mc:Fallback>
       <p:transition spd="med">
         <p:fade/>
       </p:transition>
@@ -6747,7 +7082,211 @@
 </file>
 
 <file path=ppt/slides/slide30.xml><?xml version="1.0" encoding="utf-8"?>
-<p:sld xmlns:a="http://schemas.openxmlformats.org/drawingml/2006/main" xmlns:r="http://schemas.openxmlformats.org/officeDocument/2006/relationships" xmlns:p="http://schemas.openxmlformats.org/presentationml/2006/main">
+<p:sld xmlns:a="http://schemas.openxmlformats.org/drawingml/2006/main" xmlns:r="http://schemas.openxmlformats.org/officeDocument/2006/relationships" xmlns:p="http://schemas.openxmlformats.org/presentationml/2006/main" show="0">
+  <p:cSld>
+    <p:spTree>
+      <p:nvGrpSpPr>
+        <p:cNvPr id="1" name=""/>
+        <p:cNvGrpSpPr/>
+        <p:nvPr/>
+      </p:nvGrpSpPr>
+      <p:grpSpPr>
+        <a:xfrm>
+          <a:off x="0" y="0"/>
+          <a:ext cx="0" cy="0"/>
+          <a:chOff x="0" y="0"/>
+          <a:chExt cx="0" cy="0"/>
+        </a:xfrm>
+      </p:grpSpPr>
+      <p:sp>
+        <p:nvSpPr>
+          <p:cNvPr id="2" name="Title 1"/>
+          <p:cNvSpPr>
+            <a:spLocks noGrp="1"/>
+          </p:cNvSpPr>
+          <p:nvPr>
+            <p:ph type="title"/>
+          </p:nvPr>
+        </p:nvSpPr>
+        <p:spPr/>
+        <p:txBody>
+          <a:bodyPr/>
+          <a:lstStyle/>
+          <a:p>
+            <a:r>
+              <a:rPr lang="en-US" dirty="0"/>
+              <a:t>Add a Slide Title - 2</a:t>
+            </a:r>
+          </a:p>
+        </p:txBody>
+      </p:sp>
+      <p:sp>
+        <p:nvSpPr>
+          <p:cNvPr id="3" name="Text Placeholder 2"/>
+          <p:cNvSpPr>
+            <a:spLocks noGrp="1"/>
+          </p:cNvSpPr>
+          <p:nvPr>
+            <p:ph type="body" idx="1"/>
+          </p:nvPr>
+        </p:nvSpPr>
+        <p:spPr/>
+        <p:txBody>
+          <a:bodyPr/>
+          <a:lstStyle/>
+          <a:p>
+            <a:endParaRPr lang="en-US"/>
+          </a:p>
+        </p:txBody>
+      </p:sp>
+      <p:sp>
+        <p:nvSpPr>
+          <p:cNvPr id="4" name="Content Placeholder 3"/>
+          <p:cNvSpPr>
+            <a:spLocks noGrp="1"/>
+          </p:cNvSpPr>
+          <p:nvPr>
+            <p:ph sz="half" idx="2"/>
+          </p:nvPr>
+        </p:nvSpPr>
+        <p:spPr/>
+        <p:txBody>
+          <a:bodyPr/>
+          <a:lstStyle/>
+          <a:p>
+            <a:endParaRPr lang="en-US"/>
+          </a:p>
+        </p:txBody>
+      </p:sp>
+      <p:sp>
+        <p:nvSpPr>
+          <p:cNvPr id="5" name="Text Placeholder 4"/>
+          <p:cNvSpPr>
+            <a:spLocks noGrp="1"/>
+          </p:cNvSpPr>
+          <p:nvPr>
+            <p:ph type="body" sz="quarter" idx="3"/>
+          </p:nvPr>
+        </p:nvSpPr>
+        <p:spPr/>
+        <p:txBody>
+          <a:bodyPr/>
+          <a:lstStyle/>
+          <a:p>
+            <a:endParaRPr lang="en-US"/>
+          </a:p>
+        </p:txBody>
+      </p:sp>
+      <p:sp>
+        <p:nvSpPr>
+          <p:cNvPr id="6" name="Content Placeholder 5"/>
+          <p:cNvSpPr>
+            <a:spLocks noGrp="1"/>
+          </p:cNvSpPr>
+          <p:nvPr>
+            <p:ph sz="quarter" idx="4"/>
+          </p:nvPr>
+        </p:nvSpPr>
+        <p:spPr/>
+        <p:txBody>
+          <a:bodyPr/>
+          <a:lstStyle/>
+          <a:p>
+            <a:endParaRPr lang="en-US"/>
+          </a:p>
+        </p:txBody>
+      </p:sp>
+    </p:spTree>
+    <p:extLst>
+      <p:ext uri="{BB962C8B-B14F-4D97-AF65-F5344CB8AC3E}">
+        <p14:creationId xmlns:p14="http://schemas.microsoft.com/office/powerpoint/2010/main" val="4078798235"/>
+      </p:ext>
+    </p:extLst>
+  </p:cSld>
+  <p:clrMapOvr>
+    <a:masterClrMapping/>
+  </p:clrMapOvr>
+  <mc:AlternateContent xmlns:mc="http://schemas.openxmlformats.org/markup-compatibility/2006">
+    <mc:Choice xmlns:p14="http://schemas.microsoft.com/office/powerpoint/2010/main" Requires="p14">
+      <p:transition spd="med" p14:dur="700">
+        <p:fade/>
+      </p:transition>
+    </mc:Choice>
+    <mc:Fallback>
+      <p:transition spd="med">
+        <p:fade/>
+      </p:transition>
+    </mc:Fallback>
+  </mc:AlternateContent>
+</p:sld>
+</file>
+
+<file path=ppt/slides/slide31.xml><?xml version="1.0" encoding="utf-8"?>
+<p:sld xmlns:a="http://schemas.openxmlformats.org/drawingml/2006/main" xmlns:r="http://schemas.openxmlformats.org/officeDocument/2006/relationships" xmlns:p="http://schemas.openxmlformats.org/presentationml/2006/main" show="0">
+  <p:cSld>
+    <p:spTree>
+      <p:nvGrpSpPr>
+        <p:cNvPr id="1" name=""/>
+        <p:cNvGrpSpPr/>
+        <p:nvPr/>
+      </p:nvGrpSpPr>
+      <p:grpSpPr>
+        <a:xfrm>
+          <a:off x="0" y="0"/>
+          <a:ext cx="0" cy="0"/>
+          <a:chOff x="0" y="0"/>
+          <a:chExt cx="0" cy="0"/>
+        </a:xfrm>
+      </p:grpSpPr>
+      <p:sp>
+        <p:nvSpPr>
+          <p:cNvPr id="2" name="Title 1"/>
+          <p:cNvSpPr>
+            <a:spLocks noGrp="1"/>
+          </p:cNvSpPr>
+          <p:nvPr>
+            <p:ph type="title"/>
+          </p:nvPr>
+        </p:nvSpPr>
+        <p:spPr/>
+        <p:txBody>
+          <a:bodyPr/>
+          <a:lstStyle/>
+          <a:p>
+            <a:r>
+              <a:rPr lang="en-US" dirty="0"/>
+              <a:t>Add a Slide Title - 3</a:t>
+            </a:r>
+          </a:p>
+        </p:txBody>
+      </p:sp>
+    </p:spTree>
+    <p:extLst>
+      <p:ext uri="{BB962C8B-B14F-4D97-AF65-F5344CB8AC3E}">
+        <p14:creationId xmlns:p14="http://schemas.microsoft.com/office/powerpoint/2010/main" val="1864551520"/>
+      </p:ext>
+    </p:extLst>
+  </p:cSld>
+  <p:clrMapOvr>
+    <a:masterClrMapping/>
+  </p:clrMapOvr>
+  <mc:AlternateContent xmlns:mc="http://schemas.openxmlformats.org/markup-compatibility/2006">
+    <mc:Choice xmlns:p14="http://schemas.microsoft.com/office/powerpoint/2010/main" Requires="p14">
+      <p:transition spd="med" p14:dur="700">
+        <p:fade/>
+      </p:transition>
+    </mc:Choice>
+    <mc:Fallback>
+      <p:transition spd="med">
+        <p:fade/>
+      </p:transition>
+    </mc:Fallback>
+  </mc:AlternateContent>
+</p:sld>
+</file>
+
+<file path=ppt/slides/slide32.xml><?xml version="1.0" encoding="utf-8"?>
+<p:sld xmlns:a="http://schemas.openxmlformats.org/drawingml/2006/main" xmlns:r="http://schemas.openxmlformats.org/officeDocument/2006/relationships" xmlns:p="http://schemas.openxmlformats.org/presentationml/2006/main" show="0">
   <p:cSld>
     <p:spTree>
       <p:nvGrpSpPr>
@@ -6773,13 +7312,13 @@
   <p:clrMapOvr>
     <a:masterClrMapping/>
   </p:clrMapOvr>
-  <mc:AlternateContent xmlns:mc="http://schemas.openxmlformats.org/markup-compatibility/2006" xmlns:p14="http://schemas.microsoft.com/office/powerpoint/2010/main">
-    <mc:Choice Requires="p14">
+  <mc:AlternateContent xmlns:mc="http://schemas.openxmlformats.org/markup-compatibility/2006">
+    <mc:Choice xmlns:p14="http://schemas.microsoft.com/office/powerpoint/2010/main" Requires="p14">
       <p:transition spd="med" p14:dur="700">
         <p:fade/>
       </p:transition>
     </mc:Choice>
-    <mc:Fallback xmlns="">
+    <mc:Fallback>
       <p:transition spd="med">
         <p:fade/>
       </p:transition>

--- a/NBA Project ML.pptx
+++ b/NBA Project ML.pptx
@@ -156,502 +156,9 @@
 <p1510:revInfo xmlns:a="http://schemas.openxmlformats.org/drawingml/2006/main" xmlns:r="http://schemas.openxmlformats.org/officeDocument/2006/relationships" xmlns:p1510="http://schemas.microsoft.com/office/powerpoint/2015/10/main">
   <p1510:revLst>
     <p1510:client id="{BBF72C1B-80F7-4FA4-A5A7-725143162CB3}" v="4" dt="2021-03-04T00:59:50.246"/>
+    <p1510:client id="{C759D39D-A7DB-41C4-B7B4-FCA877C5E2FD}" v="14" dt="2021-03-04T02:32:08.863"/>
   </p1510:revLst>
 </p1510:revInfo>
-</file>
-
-<file path=ppt/changesInfos/changesInfo1.xml><?xml version="1.0" encoding="utf-8"?>
-<pc:chgInfo xmlns:a="http://schemas.openxmlformats.org/drawingml/2006/main" xmlns:r="http://schemas.openxmlformats.org/officeDocument/2006/relationships" xmlns:ac="http://schemas.microsoft.com/office/drawing/2013/main/command" xmlns:pc="http://schemas.microsoft.com/office/powerpoint/2013/main/command">
-  <pc:docChgLst>
-    <pc:chgData name="Matthew Ashe" userId="fe3099772584396f" providerId="LiveId" clId="{BBF72C1B-80F7-4FA4-A5A7-725143162CB3}"/>
-    <pc:docChg chg="undo custSel addSld modSld sldOrd">
-      <pc:chgData name="Matthew Ashe" userId="fe3099772584396f" providerId="LiveId" clId="{BBF72C1B-80F7-4FA4-A5A7-725143162CB3}" dt="2021-03-04T01:15:36.909" v="870" actId="255"/>
-      <pc:docMkLst>
-        <pc:docMk/>
-      </pc:docMkLst>
-      <pc:sldChg chg="modSp mod">
-        <pc:chgData name="Matthew Ashe" userId="fe3099772584396f" providerId="LiveId" clId="{BBF72C1B-80F7-4FA4-A5A7-725143162CB3}" dt="2021-03-04T00:03:52.639" v="0" actId="20577"/>
-        <pc:sldMkLst>
-          <pc:docMk/>
-          <pc:sldMk cId="576090978" sldId="257"/>
-        </pc:sldMkLst>
-        <pc:spChg chg="mod">
-          <ac:chgData name="Matthew Ashe" userId="fe3099772584396f" providerId="LiveId" clId="{BBF72C1B-80F7-4FA4-A5A7-725143162CB3}" dt="2021-03-04T00:03:52.639" v="0" actId="20577"/>
-          <ac:spMkLst>
-            <pc:docMk/>
-            <pc:sldMk cId="576090978" sldId="257"/>
-            <ac:spMk id="3" creationId="{00000000-0000-0000-0000-000000000000}"/>
-          </ac:spMkLst>
-        </pc:spChg>
-      </pc:sldChg>
-      <pc:sldChg chg="modSp mod modShow">
-        <pc:chgData name="Matthew Ashe" userId="fe3099772584396f" providerId="LiveId" clId="{BBF72C1B-80F7-4FA4-A5A7-725143162CB3}" dt="2021-03-04T01:13:34.521" v="829" actId="729"/>
-        <pc:sldMkLst>
-          <pc:docMk/>
-          <pc:sldMk cId="1949577601" sldId="264"/>
-        </pc:sldMkLst>
-        <pc:spChg chg="mod">
-          <ac:chgData name="Matthew Ashe" userId="fe3099772584396f" providerId="LiveId" clId="{BBF72C1B-80F7-4FA4-A5A7-725143162CB3}" dt="2021-03-04T00:09:50.774" v="1" actId="12"/>
-          <ac:spMkLst>
-            <pc:docMk/>
-            <pc:sldMk cId="1949577601" sldId="264"/>
-            <ac:spMk id="4" creationId="{00000000-0000-0000-0000-000000000000}"/>
-          </ac:spMkLst>
-        </pc:spChg>
-      </pc:sldChg>
-      <pc:sldChg chg="modSp mod">
-        <pc:chgData name="Matthew Ashe" userId="fe3099772584396f" providerId="LiveId" clId="{BBF72C1B-80F7-4FA4-A5A7-725143162CB3}" dt="2021-03-04T00:10:50.296" v="56" actId="20577"/>
-        <pc:sldMkLst>
-          <pc:docMk/>
-          <pc:sldMk cId="3053388791" sldId="265"/>
-        </pc:sldMkLst>
-        <pc:spChg chg="mod">
-          <ac:chgData name="Matthew Ashe" userId="fe3099772584396f" providerId="LiveId" clId="{BBF72C1B-80F7-4FA4-A5A7-725143162CB3}" dt="2021-03-04T00:10:50.296" v="56" actId="20577"/>
-          <ac:spMkLst>
-            <pc:docMk/>
-            <pc:sldMk cId="3053388791" sldId="265"/>
-            <ac:spMk id="3" creationId="{00000000-0000-0000-0000-000000000000}"/>
-          </ac:spMkLst>
-        </pc:spChg>
-      </pc:sldChg>
-      <pc:sldChg chg="modSp mod">
-        <pc:chgData name="Matthew Ashe" userId="fe3099772584396f" providerId="LiveId" clId="{BBF72C1B-80F7-4FA4-A5A7-725143162CB3}" dt="2021-03-04T00:12:48.418" v="255" actId="20577"/>
-        <pc:sldMkLst>
-          <pc:docMk/>
-          <pc:sldMk cId="2905083717" sldId="266"/>
-        </pc:sldMkLst>
-        <pc:spChg chg="mod">
-          <ac:chgData name="Matthew Ashe" userId="fe3099772584396f" providerId="LiveId" clId="{BBF72C1B-80F7-4FA4-A5A7-725143162CB3}" dt="2021-03-04T00:12:48.418" v="255" actId="20577"/>
-          <ac:spMkLst>
-            <pc:docMk/>
-            <pc:sldMk cId="2905083717" sldId="266"/>
-            <ac:spMk id="3" creationId="{00000000-0000-0000-0000-000000000000}"/>
-          </ac:spMkLst>
-        </pc:spChg>
-      </pc:sldChg>
-      <pc:sldChg chg="mod modShow">
-        <pc:chgData name="Matthew Ashe" userId="fe3099772584396f" providerId="LiveId" clId="{BBF72C1B-80F7-4FA4-A5A7-725143162CB3}" dt="2021-03-04T01:14:03.594" v="839" actId="729"/>
-        <pc:sldMkLst>
-          <pc:docMk/>
-          <pc:sldMk cId="2598391320" sldId="267"/>
-        </pc:sldMkLst>
-      </pc:sldChg>
-      <pc:sldChg chg="mod modShow">
-        <pc:chgData name="Matthew Ashe" userId="fe3099772584396f" providerId="LiveId" clId="{BBF72C1B-80F7-4FA4-A5A7-725143162CB3}" dt="2021-03-04T01:14:05.861" v="840" actId="729"/>
-        <pc:sldMkLst>
-          <pc:docMk/>
-          <pc:sldMk cId="2993111047" sldId="268"/>
-        </pc:sldMkLst>
-      </pc:sldChg>
-      <pc:sldChg chg="mod modShow">
-        <pc:chgData name="Matthew Ashe" userId="fe3099772584396f" providerId="LiveId" clId="{BBF72C1B-80F7-4FA4-A5A7-725143162CB3}" dt="2021-03-04T01:14:07.361" v="841" actId="729"/>
-        <pc:sldMkLst>
-          <pc:docMk/>
-          <pc:sldMk cId="4078798235" sldId="269"/>
-        </pc:sldMkLst>
-      </pc:sldChg>
-      <pc:sldChg chg="mod modShow">
-        <pc:chgData name="Matthew Ashe" userId="fe3099772584396f" providerId="LiveId" clId="{BBF72C1B-80F7-4FA4-A5A7-725143162CB3}" dt="2021-03-04T01:14:08.925" v="842" actId="729"/>
-        <pc:sldMkLst>
-          <pc:docMk/>
-          <pc:sldMk cId="1864551520" sldId="270"/>
-        </pc:sldMkLst>
-      </pc:sldChg>
-      <pc:sldChg chg="mod modShow">
-        <pc:chgData name="Matthew Ashe" userId="fe3099772584396f" providerId="LiveId" clId="{BBF72C1B-80F7-4FA4-A5A7-725143162CB3}" dt="2021-03-04T01:14:11.754" v="843" actId="729"/>
-        <pc:sldMkLst>
-          <pc:docMk/>
-          <pc:sldMk cId="242861733" sldId="271"/>
-        </pc:sldMkLst>
-      </pc:sldChg>
-      <pc:sldChg chg="mod modShow">
-        <pc:chgData name="Matthew Ashe" userId="fe3099772584396f" providerId="LiveId" clId="{BBF72C1B-80F7-4FA4-A5A7-725143162CB3}" dt="2021-03-04T01:13:41.684" v="832" actId="729"/>
-        <pc:sldMkLst>
-          <pc:docMk/>
-          <pc:sldMk cId="3852826271" sldId="274"/>
-        </pc:sldMkLst>
-      </pc:sldChg>
-      <pc:sldChg chg="mod modShow">
-        <pc:chgData name="Matthew Ashe" userId="fe3099772584396f" providerId="LiveId" clId="{BBF72C1B-80F7-4FA4-A5A7-725143162CB3}" dt="2021-03-04T01:13:38.722" v="831" actId="729"/>
-        <pc:sldMkLst>
-          <pc:docMk/>
-          <pc:sldMk cId="3359947475" sldId="275"/>
-        </pc:sldMkLst>
-      </pc:sldChg>
-      <pc:sldChg chg="mod modShow">
-        <pc:chgData name="Matthew Ashe" userId="fe3099772584396f" providerId="LiveId" clId="{BBF72C1B-80F7-4FA4-A5A7-725143162CB3}" dt="2021-03-04T01:13:36.931" v="830" actId="729"/>
-        <pc:sldMkLst>
-          <pc:docMk/>
-          <pc:sldMk cId="1333244307" sldId="276"/>
-        </pc:sldMkLst>
-      </pc:sldChg>
-      <pc:sldChg chg="mod modShow">
-        <pc:chgData name="Matthew Ashe" userId="fe3099772584396f" providerId="LiveId" clId="{BBF72C1B-80F7-4FA4-A5A7-725143162CB3}" dt="2021-03-04T01:13:44.843" v="833" actId="729"/>
-        <pc:sldMkLst>
-          <pc:docMk/>
-          <pc:sldMk cId="2630260980" sldId="277"/>
-        </pc:sldMkLst>
-      </pc:sldChg>
-      <pc:sldChg chg="mod modShow">
-        <pc:chgData name="Matthew Ashe" userId="fe3099772584396f" providerId="LiveId" clId="{BBF72C1B-80F7-4FA4-A5A7-725143162CB3}" dt="2021-03-04T01:13:46.689" v="834" actId="729"/>
-        <pc:sldMkLst>
-          <pc:docMk/>
-          <pc:sldMk cId="93342923" sldId="278"/>
-        </pc:sldMkLst>
-      </pc:sldChg>
-      <pc:sldChg chg="mod modShow">
-        <pc:chgData name="Matthew Ashe" userId="fe3099772584396f" providerId="LiveId" clId="{BBF72C1B-80F7-4FA4-A5A7-725143162CB3}" dt="2021-03-04T01:13:52.388" v="835" actId="729"/>
-        <pc:sldMkLst>
-          <pc:docMk/>
-          <pc:sldMk cId="3168562010" sldId="279"/>
-        </pc:sldMkLst>
-      </pc:sldChg>
-      <pc:sldChg chg="mod modShow">
-        <pc:chgData name="Matthew Ashe" userId="fe3099772584396f" providerId="LiveId" clId="{BBF72C1B-80F7-4FA4-A5A7-725143162CB3}" dt="2021-03-04T01:13:55.921" v="837" actId="729"/>
-        <pc:sldMkLst>
-          <pc:docMk/>
-          <pc:sldMk cId="1803856404" sldId="280"/>
-        </pc:sldMkLst>
-      </pc:sldChg>
-      <pc:sldChg chg="modSp mod ord">
-        <pc:chgData name="Matthew Ashe" userId="fe3099772584396f" providerId="LiveId" clId="{BBF72C1B-80F7-4FA4-A5A7-725143162CB3}" dt="2021-03-04T00:25:09.768" v="757" actId="20577"/>
-        <pc:sldMkLst>
-          <pc:docMk/>
-          <pc:sldMk cId="678780829" sldId="281"/>
-        </pc:sldMkLst>
-        <pc:spChg chg="mod">
-          <ac:chgData name="Matthew Ashe" userId="fe3099772584396f" providerId="LiveId" clId="{BBF72C1B-80F7-4FA4-A5A7-725143162CB3}" dt="2021-03-04T00:25:09.768" v="757" actId="20577"/>
-          <ac:spMkLst>
-            <pc:docMk/>
-            <pc:sldMk cId="678780829" sldId="281"/>
-            <ac:spMk id="4" creationId="{7C1DB756-FB2E-43B2-A2FE-7C1E8B6435DE}"/>
-          </ac:spMkLst>
-        </pc:spChg>
-      </pc:sldChg>
-      <pc:sldChg chg="ord">
-        <pc:chgData name="Matthew Ashe" userId="fe3099772584396f" providerId="LiveId" clId="{BBF72C1B-80F7-4FA4-A5A7-725143162CB3}" dt="2021-03-04T00:18:11.848" v="269"/>
-        <pc:sldMkLst>
-          <pc:docMk/>
-          <pc:sldMk cId="3641497381" sldId="282"/>
-        </pc:sldMkLst>
-      </pc:sldChg>
-      <pc:sldChg chg="ord">
-        <pc:chgData name="Matthew Ashe" userId="fe3099772584396f" providerId="LiveId" clId="{BBF72C1B-80F7-4FA4-A5A7-725143162CB3}" dt="2021-03-04T00:18:04.464" v="267"/>
-        <pc:sldMkLst>
-          <pc:docMk/>
-          <pc:sldMk cId="1864485921" sldId="283"/>
-        </pc:sldMkLst>
-      </pc:sldChg>
-      <pc:sldChg chg="ord">
-        <pc:chgData name="Matthew Ashe" userId="fe3099772584396f" providerId="LiveId" clId="{BBF72C1B-80F7-4FA4-A5A7-725143162CB3}" dt="2021-03-04T00:18:45.800" v="279"/>
-        <pc:sldMkLst>
-          <pc:docMk/>
-          <pc:sldMk cId="621918934" sldId="284"/>
-        </pc:sldMkLst>
-      </pc:sldChg>
-      <pc:sldChg chg="mod modShow">
-        <pc:chgData name="Matthew Ashe" userId="fe3099772584396f" providerId="LiveId" clId="{BBF72C1B-80F7-4FA4-A5A7-725143162CB3}" dt="2021-03-04T01:13:54.522" v="836" actId="729"/>
-        <pc:sldMkLst>
-          <pc:docMk/>
-          <pc:sldMk cId="2882227964" sldId="285"/>
-        </pc:sldMkLst>
-      </pc:sldChg>
-      <pc:sldChg chg="mod ord modShow">
-        <pc:chgData name="Matthew Ashe" userId="fe3099772584396f" providerId="LiveId" clId="{BBF72C1B-80F7-4FA4-A5A7-725143162CB3}" dt="2021-03-04T01:13:57.581" v="838" actId="729"/>
-        <pc:sldMkLst>
-          <pc:docMk/>
-          <pc:sldMk cId="2224268550" sldId="286"/>
-        </pc:sldMkLst>
-      </pc:sldChg>
-      <pc:sldChg chg="ord">
-        <pc:chgData name="Matthew Ashe" userId="fe3099772584396f" providerId="LiveId" clId="{BBF72C1B-80F7-4FA4-A5A7-725143162CB3}" dt="2021-03-04T00:18:38.271" v="277"/>
-        <pc:sldMkLst>
-          <pc:docMk/>
-          <pc:sldMk cId="3045033458" sldId="288"/>
-        </pc:sldMkLst>
-      </pc:sldChg>
-      <pc:sldChg chg="ord">
-        <pc:chgData name="Matthew Ashe" userId="fe3099772584396f" providerId="LiveId" clId="{BBF72C1B-80F7-4FA4-A5A7-725143162CB3}" dt="2021-03-04T00:18:31.103" v="275"/>
-        <pc:sldMkLst>
-          <pc:docMk/>
-          <pc:sldMk cId="1658139815" sldId="289"/>
-        </pc:sldMkLst>
-      </pc:sldChg>
-      <pc:sldChg chg="ord">
-        <pc:chgData name="Matthew Ashe" userId="fe3099772584396f" providerId="LiveId" clId="{BBF72C1B-80F7-4FA4-A5A7-725143162CB3}" dt="2021-03-04T00:18:25.216" v="273"/>
-        <pc:sldMkLst>
-          <pc:docMk/>
-          <pc:sldMk cId="3606538431" sldId="290"/>
-        </pc:sldMkLst>
-      </pc:sldChg>
-      <pc:sldChg chg="ord">
-        <pc:chgData name="Matthew Ashe" userId="fe3099772584396f" providerId="LiveId" clId="{BBF72C1B-80F7-4FA4-A5A7-725143162CB3}" dt="2021-03-04T00:18:18.367" v="271"/>
-        <pc:sldMkLst>
-          <pc:docMk/>
-          <pc:sldMk cId="1356875514" sldId="291"/>
-        </pc:sldMkLst>
-      </pc:sldChg>
-      <pc:sldChg chg="addSp delSp modSp mod modClrScheme chgLayout">
-        <pc:chgData name="Matthew Ashe" userId="fe3099772584396f" providerId="LiveId" clId="{BBF72C1B-80F7-4FA4-A5A7-725143162CB3}" dt="2021-03-04T00:58:49.275" v="796" actId="20577"/>
-        <pc:sldMkLst>
-          <pc:docMk/>
-          <pc:sldMk cId="3800701757" sldId="292"/>
-        </pc:sldMkLst>
-        <pc:spChg chg="del">
-          <ac:chgData name="Matthew Ashe" userId="fe3099772584396f" providerId="LiveId" clId="{BBF72C1B-80F7-4FA4-A5A7-725143162CB3}" dt="2021-03-04T00:53:57.483" v="758" actId="700"/>
-          <ac:spMkLst>
-            <pc:docMk/>
-            <pc:sldMk cId="3800701757" sldId="292"/>
-            <ac:spMk id="2" creationId="{37C77308-3593-4BEE-A70D-95781F7E7930}"/>
-          </ac:spMkLst>
-        </pc:spChg>
-        <pc:spChg chg="del">
-          <ac:chgData name="Matthew Ashe" userId="fe3099772584396f" providerId="LiveId" clId="{BBF72C1B-80F7-4FA4-A5A7-725143162CB3}" dt="2021-03-04T00:53:57.483" v="758" actId="700"/>
-          <ac:spMkLst>
-            <pc:docMk/>
-            <pc:sldMk cId="3800701757" sldId="292"/>
-            <ac:spMk id="3" creationId="{AC6B8DFE-F892-46D5-A4EF-D5E58FB0FD2C}"/>
-          </ac:spMkLst>
-        </pc:spChg>
-        <pc:spChg chg="del">
-          <ac:chgData name="Matthew Ashe" userId="fe3099772584396f" providerId="LiveId" clId="{BBF72C1B-80F7-4FA4-A5A7-725143162CB3}" dt="2021-03-04T00:53:57.483" v="758" actId="700"/>
-          <ac:spMkLst>
-            <pc:docMk/>
-            <pc:sldMk cId="3800701757" sldId="292"/>
-            <ac:spMk id="4" creationId="{0AEFD3E2-39C1-48CD-8D27-A3042AC09E4D}"/>
-          </ac:spMkLst>
-        </pc:spChg>
-        <pc:spChg chg="add mod ord">
-          <ac:chgData name="Matthew Ashe" userId="fe3099772584396f" providerId="LiveId" clId="{BBF72C1B-80F7-4FA4-A5A7-725143162CB3}" dt="2021-03-04T00:58:49.275" v="796" actId="20577"/>
-          <ac:spMkLst>
-            <pc:docMk/>
-            <pc:sldMk cId="3800701757" sldId="292"/>
-            <ac:spMk id="8" creationId="{CAD86DFE-7586-4F9C-8BA5-E365E91CD5EE}"/>
-          </ac:spMkLst>
-        </pc:spChg>
-        <pc:spChg chg="add del mod ord">
-          <ac:chgData name="Matthew Ashe" userId="fe3099772584396f" providerId="LiveId" clId="{BBF72C1B-80F7-4FA4-A5A7-725143162CB3}" dt="2021-03-04T00:58:02.720" v="778"/>
-          <ac:spMkLst>
-            <pc:docMk/>
-            <pc:sldMk cId="3800701757" sldId="292"/>
-            <ac:spMk id="9" creationId="{D11B5EFE-B0E3-484E-8A93-FD2D20AA0EB4}"/>
-          </ac:spMkLst>
-        </pc:spChg>
-        <pc:spChg chg="add del mod ord">
-          <ac:chgData name="Matthew Ashe" userId="fe3099772584396f" providerId="LiveId" clId="{BBF72C1B-80F7-4FA4-A5A7-725143162CB3}" dt="2021-03-04T00:58:10.011" v="780"/>
-          <ac:spMkLst>
-            <pc:docMk/>
-            <pc:sldMk cId="3800701757" sldId="292"/>
-            <ac:spMk id="10" creationId="{B53EFC33-C706-43A2-9587-853A564462CF}"/>
-          </ac:spMkLst>
-        </pc:spChg>
-        <pc:picChg chg="add del mod">
-          <ac:chgData name="Matthew Ashe" userId="fe3099772584396f" providerId="LiveId" clId="{BBF72C1B-80F7-4FA4-A5A7-725143162CB3}" dt="2021-03-04T00:58:01.109" v="777" actId="21"/>
-          <ac:picMkLst>
-            <pc:docMk/>
-            <pc:sldMk cId="3800701757" sldId="292"/>
-            <ac:picMk id="6" creationId="{598AA98E-8FDE-4B64-995B-C063F0C4B112}"/>
-          </ac:picMkLst>
-        </pc:picChg>
-        <pc:picChg chg="add del mod">
-          <ac:chgData name="Matthew Ashe" userId="fe3099772584396f" providerId="LiveId" clId="{BBF72C1B-80F7-4FA4-A5A7-725143162CB3}" dt="2021-03-04T00:58:08.026" v="779" actId="21"/>
-          <ac:picMkLst>
-            <pc:docMk/>
-            <pc:sldMk cId="3800701757" sldId="292"/>
-            <ac:picMk id="7" creationId="{7CE1A517-EFAD-4B25-B490-D2D058BA0193}"/>
-          </ac:picMkLst>
-        </pc:picChg>
-        <pc:picChg chg="add mod">
-          <ac:chgData name="Matthew Ashe" userId="fe3099772584396f" providerId="LiveId" clId="{BBF72C1B-80F7-4FA4-A5A7-725143162CB3}" dt="2021-03-04T00:58:15.769" v="781" actId="14100"/>
-          <ac:picMkLst>
-            <pc:docMk/>
-            <pc:sldMk cId="3800701757" sldId="292"/>
-            <ac:picMk id="11" creationId="{8E5B4183-A1B4-4E28-BFFC-105263B87F2E}"/>
-          </ac:picMkLst>
-        </pc:picChg>
-        <pc:picChg chg="add mod">
-          <ac:chgData name="Matthew Ashe" userId="fe3099772584396f" providerId="LiveId" clId="{BBF72C1B-80F7-4FA4-A5A7-725143162CB3}" dt="2021-03-04T00:58:31.281" v="784" actId="14100"/>
-          <ac:picMkLst>
-            <pc:docMk/>
-            <pc:sldMk cId="3800701757" sldId="292"/>
-            <ac:picMk id="12" creationId="{91A2BB43-AB95-4A21-A044-B35B00D611A3}"/>
-          </ac:picMkLst>
-        </pc:picChg>
-      </pc:sldChg>
-      <pc:sldChg chg="modSp mod ord">
-        <pc:chgData name="Matthew Ashe" userId="fe3099772584396f" providerId="LiveId" clId="{BBF72C1B-80F7-4FA4-A5A7-725143162CB3}" dt="2021-03-04T00:20:20.642" v="380" actId="20577"/>
-        <pc:sldMkLst>
-          <pc:docMk/>
-          <pc:sldMk cId="2215027165" sldId="293"/>
-        </pc:sldMkLst>
-        <pc:spChg chg="mod">
-          <ac:chgData name="Matthew Ashe" userId="fe3099772584396f" providerId="LiveId" clId="{BBF72C1B-80F7-4FA4-A5A7-725143162CB3}" dt="2021-03-04T00:20:20.642" v="380" actId="20577"/>
-          <ac:spMkLst>
-            <pc:docMk/>
-            <pc:sldMk cId="2215027165" sldId="293"/>
-            <ac:spMk id="4" creationId="{8F26ACCA-A356-444B-8489-8464EDF34F4E}"/>
-          </ac:spMkLst>
-        </pc:spChg>
-      </pc:sldChg>
-      <pc:sldChg chg="modSp mod ord">
-        <pc:chgData name="Matthew Ashe" userId="fe3099772584396f" providerId="LiveId" clId="{BBF72C1B-80F7-4FA4-A5A7-725143162CB3}" dt="2021-03-04T00:21:34.627" v="471" actId="20577"/>
-        <pc:sldMkLst>
-          <pc:docMk/>
-          <pc:sldMk cId="3004465262" sldId="294"/>
-        </pc:sldMkLst>
-        <pc:spChg chg="mod">
-          <ac:chgData name="Matthew Ashe" userId="fe3099772584396f" providerId="LiveId" clId="{BBF72C1B-80F7-4FA4-A5A7-725143162CB3}" dt="2021-03-04T00:21:34.627" v="471" actId="20577"/>
-          <ac:spMkLst>
-            <pc:docMk/>
-            <pc:sldMk cId="3004465262" sldId="294"/>
-            <ac:spMk id="4" creationId="{D9A3F94B-B60B-4927-8B08-C44616F7F0A9}"/>
-          </ac:spMkLst>
-        </pc:spChg>
-      </pc:sldChg>
-      <pc:sldChg chg="modSp mod ord">
-        <pc:chgData name="Matthew Ashe" userId="fe3099772584396f" providerId="LiveId" clId="{BBF72C1B-80F7-4FA4-A5A7-725143162CB3}" dt="2021-03-04T00:22:18.265" v="593" actId="20577"/>
-        <pc:sldMkLst>
-          <pc:docMk/>
-          <pc:sldMk cId="3595778872" sldId="295"/>
-        </pc:sldMkLst>
-        <pc:spChg chg="mod">
-          <ac:chgData name="Matthew Ashe" userId="fe3099772584396f" providerId="LiveId" clId="{BBF72C1B-80F7-4FA4-A5A7-725143162CB3}" dt="2021-03-04T00:22:18.265" v="593" actId="20577"/>
-          <ac:spMkLst>
-            <pc:docMk/>
-            <pc:sldMk cId="3595778872" sldId="295"/>
-            <ac:spMk id="4" creationId="{9AB44659-8321-469D-8E7A-AB61061CAE95}"/>
-          </ac:spMkLst>
-        </pc:spChg>
-      </pc:sldChg>
-      <pc:sldChg chg="addSp delSp modSp new mod modClrScheme chgLayout">
-        <pc:chgData name="Matthew Ashe" userId="fe3099772584396f" providerId="LiveId" clId="{BBF72C1B-80F7-4FA4-A5A7-725143162CB3}" dt="2021-03-04T01:15:36.909" v="870" actId="255"/>
-        <pc:sldMkLst>
-          <pc:docMk/>
-          <pc:sldMk cId="929333685" sldId="296"/>
-        </pc:sldMkLst>
-        <pc:spChg chg="add mod">
-          <ac:chgData name="Matthew Ashe" userId="fe3099772584396f" providerId="LiveId" clId="{BBF72C1B-80F7-4FA4-A5A7-725143162CB3}" dt="2021-03-04T01:15:36.909" v="870" actId="255"/>
-          <ac:spMkLst>
-            <pc:docMk/>
-            <pc:sldMk cId="929333685" sldId="296"/>
-            <ac:spMk id="4" creationId="{683B08DC-81E0-451C-B18E-CF5F883C4470}"/>
-          </ac:spMkLst>
-        </pc:spChg>
-        <pc:picChg chg="add del">
-          <ac:chgData name="Matthew Ashe" userId="fe3099772584396f" providerId="LiveId" clId="{BBF72C1B-80F7-4FA4-A5A7-725143162CB3}" dt="2021-03-04T00:59:00.842" v="797" actId="478"/>
-          <ac:picMkLst>
-            <pc:docMk/>
-            <pc:sldMk cId="929333685" sldId="296"/>
-            <ac:picMk id="3" creationId="{F3A9BF0D-E59A-4F26-8498-0EF8841B17B2}"/>
-          </ac:picMkLst>
-        </pc:picChg>
-      </pc:sldChg>
-      <pc:sldChg chg="addSp delSp modSp new mod ord modClrScheme chgLayout">
-        <pc:chgData name="Matthew Ashe" userId="fe3099772584396f" providerId="LiveId" clId="{BBF72C1B-80F7-4FA4-A5A7-725143162CB3}" dt="2021-03-04T01:13:21.619" v="828" actId="14100"/>
-        <pc:sldMkLst>
-          <pc:docMk/>
-          <pc:sldMk cId="4148980562" sldId="297"/>
-        </pc:sldMkLst>
-        <pc:spChg chg="add mod ord">
-          <ac:chgData name="Matthew Ashe" userId="fe3099772584396f" providerId="LiveId" clId="{BBF72C1B-80F7-4FA4-A5A7-725143162CB3}" dt="2021-03-04T00:59:44.011" v="807" actId="20577"/>
-          <ac:spMkLst>
-            <pc:docMk/>
-            <pc:sldMk cId="4148980562" sldId="297"/>
-            <ac:spMk id="4" creationId="{AB7C4782-F3F8-48BC-B441-AB327AE02FCE}"/>
-          </ac:spMkLst>
-        </pc:spChg>
-        <pc:spChg chg="add del mod ord">
-          <ac:chgData name="Matthew Ashe" userId="fe3099772584396f" providerId="LiveId" clId="{BBF72C1B-80F7-4FA4-A5A7-725143162CB3}" dt="2021-03-04T00:59:50.246" v="809"/>
-          <ac:spMkLst>
-            <pc:docMk/>
-            <pc:sldMk cId="4148980562" sldId="297"/>
-            <ac:spMk id="5" creationId="{8340ACB6-3080-412D-B6E4-0F36199F5290}"/>
-          </ac:spMkLst>
-        </pc:spChg>
-        <pc:spChg chg="add del mod ord">
-          <ac:chgData name="Matthew Ashe" userId="fe3099772584396f" providerId="LiveId" clId="{BBF72C1B-80F7-4FA4-A5A7-725143162CB3}" dt="2021-03-04T01:04:30.022" v="810" actId="22"/>
-          <ac:spMkLst>
-            <pc:docMk/>
-            <pc:sldMk cId="4148980562" sldId="297"/>
-            <ac:spMk id="6" creationId="{46FB64A6-A03E-475E-BD8E-879C3C0BE973}"/>
-          </ac:spMkLst>
-        </pc:spChg>
-        <pc:spChg chg="add del mod">
-          <ac:chgData name="Matthew Ashe" userId="fe3099772584396f" providerId="LiveId" clId="{BBF72C1B-80F7-4FA4-A5A7-725143162CB3}" dt="2021-03-04T01:07:37.401" v="820" actId="22"/>
-          <ac:spMkLst>
-            <pc:docMk/>
-            <pc:sldMk cId="4148980562" sldId="297"/>
-            <ac:spMk id="11" creationId="{5DB05B07-3816-419C-94CC-ABCF9A9A7D2C}"/>
-          </ac:spMkLst>
-        </pc:spChg>
-        <pc:spChg chg="add del mod">
-          <ac:chgData name="Matthew Ashe" userId="fe3099772584396f" providerId="LiveId" clId="{BBF72C1B-80F7-4FA4-A5A7-725143162CB3}" dt="2021-03-04T01:13:12.680" v="826" actId="22"/>
-          <ac:spMkLst>
-            <pc:docMk/>
-            <pc:sldMk cId="4148980562" sldId="297"/>
-            <ac:spMk id="19" creationId="{3325A238-AE6D-431F-B894-83EBCDFDD419}"/>
-          </ac:spMkLst>
-        </pc:spChg>
-        <pc:picChg chg="add del">
-          <ac:chgData name="Matthew Ashe" userId="fe3099772584396f" providerId="LiveId" clId="{BBF72C1B-80F7-4FA4-A5A7-725143162CB3}" dt="2021-03-04T00:59:48.459" v="808" actId="21"/>
-          <ac:picMkLst>
-            <pc:docMk/>
-            <pc:sldMk cId="4148980562" sldId="297"/>
-            <ac:picMk id="3" creationId="{B7734A76-6A78-4CEA-8560-BBA707DBB84F}"/>
-          </ac:picMkLst>
-        </pc:picChg>
-        <pc:picChg chg="add mod">
-          <ac:chgData name="Matthew Ashe" userId="fe3099772584396f" providerId="LiveId" clId="{BBF72C1B-80F7-4FA4-A5A7-725143162CB3}" dt="2021-03-04T01:05:46.905" v="817" actId="14100"/>
-          <ac:picMkLst>
-            <pc:docMk/>
-            <pc:sldMk cId="4148980562" sldId="297"/>
-            <ac:picMk id="7" creationId="{232E0CFB-3260-4A52-8182-027407C506BC}"/>
-          </ac:picMkLst>
-        </pc:picChg>
-        <pc:picChg chg="add del mod ord">
-          <ac:chgData name="Matthew Ashe" userId="fe3099772584396f" providerId="LiveId" clId="{BBF72C1B-80F7-4FA4-A5A7-725143162CB3}" dt="2021-03-04T01:05:32.059" v="815" actId="478"/>
-          <ac:picMkLst>
-            <pc:docMk/>
-            <pc:sldMk cId="4148980562" sldId="297"/>
-            <ac:picMk id="9" creationId="{50AB3E4B-E06F-4ECB-A16F-A94028D693AB}"/>
-          </ac:picMkLst>
-        </pc:picChg>
-        <pc:picChg chg="add del">
-          <ac:chgData name="Matthew Ashe" userId="fe3099772584396f" providerId="LiveId" clId="{BBF72C1B-80F7-4FA4-A5A7-725143162CB3}" dt="2021-03-04T01:07:35.841" v="819" actId="22"/>
-          <ac:picMkLst>
-            <pc:docMk/>
-            <pc:sldMk cId="4148980562" sldId="297"/>
-            <ac:picMk id="13" creationId="{381D8FD0-98B5-4967-AE4B-9D9B6986A59B}"/>
-          </ac:picMkLst>
-        </pc:picChg>
-        <pc:picChg chg="add del mod ord">
-          <ac:chgData name="Matthew Ashe" userId="fe3099772584396f" providerId="LiveId" clId="{BBF72C1B-80F7-4FA4-A5A7-725143162CB3}" dt="2021-03-04T01:13:10.950" v="825" actId="478"/>
-          <ac:picMkLst>
-            <pc:docMk/>
-            <pc:sldMk cId="4148980562" sldId="297"/>
-            <ac:picMk id="15" creationId="{DFB748FB-2743-4640-8431-F96F84758D08}"/>
-          </ac:picMkLst>
-        </pc:picChg>
-        <pc:picChg chg="add del">
-          <ac:chgData name="Matthew Ashe" userId="fe3099772584396f" providerId="LiveId" clId="{BBF72C1B-80F7-4FA4-A5A7-725143162CB3}" dt="2021-03-04T01:13:09.438" v="824" actId="478"/>
-          <ac:picMkLst>
-            <pc:docMk/>
-            <pc:sldMk cId="4148980562" sldId="297"/>
-            <ac:picMk id="17" creationId="{A6F82EEB-26F8-49A3-A9A5-FA133611DEEE}"/>
-          </ac:picMkLst>
-        </pc:picChg>
-        <pc:picChg chg="add mod ord">
-          <ac:chgData name="Matthew Ashe" userId="fe3099772584396f" providerId="LiveId" clId="{BBF72C1B-80F7-4FA4-A5A7-725143162CB3}" dt="2021-03-04T01:13:21.619" v="828" actId="14100"/>
-          <ac:picMkLst>
-            <pc:docMk/>
-            <pc:sldMk cId="4148980562" sldId="297"/>
-            <ac:picMk id="21" creationId="{DB4070CC-42FF-49F5-9A5B-388968BFD3F8}"/>
-          </ac:picMkLst>
-        </pc:picChg>
-      </pc:sldChg>
-    </pc:docChg>
-  </pc:docChgLst>
-</pc:chgInfo>
 </file>
 
 <file path=ppt/handoutMasters/handoutMaster1.xml><?xml version="1.0" encoding="utf-8"?>
@@ -736,7 +243,7 @@
           <a:p>
             <a:fld id="{D8DE8356-FFDA-4E74-B804-79023C7DD259}" type="datetimeFigureOut">
               <a:rPr lang="en-US" smtClean="0"/>
-              <a:t>3/3/2021</a:t>
+              <a:t>3/4/2021</a:t>
             </a:fld>
             <a:endParaRPr lang="en-US"/>
           </a:p>
@@ -901,7 +408,7 @@
           <a:p>
             <a:fld id="{B43DDCE7-616C-4285-A468-7301F171BC93}" type="datetimeFigureOut">
               <a:rPr lang="en-US" smtClean="0"/>
-              <a:t>3/3/2021</a:t>
+              <a:t>3/4/2021</a:t>
             </a:fld>
             <a:endParaRPr lang="en-US"/>
           </a:p>
@@ -1462,7 +969,7 @@
           <a:p>
             <a:fld id="{3762EC29-B8C5-4C7A-B6DA-418494D5CB21}" type="datetimeFigureOut">
               <a:rPr lang="en-US" smtClean="0"/>
-              <a:t>3/3/2021</a:t>
+              <a:t>3/4/2021</a:t>
             </a:fld>
             <a:endParaRPr lang="en-US"/>
           </a:p>
@@ -1655,7 +1162,7 @@
           <a:p>
             <a:fld id="{3762EC29-B8C5-4C7A-B6DA-418494D5CB21}" type="datetimeFigureOut">
               <a:rPr lang="en-US" smtClean="0"/>
-              <a:t>3/3/2021</a:t>
+              <a:t>3/4/2021</a:t>
             </a:fld>
             <a:endParaRPr lang="en-US"/>
           </a:p>
@@ -1838,7 +1345,7 @@
           <a:p>
             <a:fld id="{3762EC29-B8C5-4C7A-B6DA-418494D5CB21}" type="datetimeFigureOut">
               <a:rPr lang="en-US" smtClean="0"/>
-              <a:t>3/3/2021</a:t>
+              <a:t>3/4/2021</a:t>
             </a:fld>
             <a:endParaRPr lang="en-US"/>
           </a:p>
@@ -2103,7 +1610,7 @@
           <a:p>
             <a:fld id="{3762EC29-B8C5-4C7A-B6DA-418494D5CB21}" type="datetimeFigureOut">
               <a:rPr lang="en-US" smtClean="0"/>
-              <a:t>3/3/2021</a:t>
+              <a:t>3/4/2021</a:t>
             </a:fld>
             <a:endParaRPr lang="en-US"/>
           </a:p>
@@ -2347,7 +1854,7 @@
           <a:p>
             <a:fld id="{3762EC29-B8C5-4C7A-B6DA-418494D5CB21}" type="datetimeFigureOut">
               <a:rPr lang="en-US" smtClean="0"/>
-              <a:t>3/3/2021</a:t>
+              <a:t>3/4/2021</a:t>
             </a:fld>
             <a:endParaRPr lang="en-US"/>
           </a:p>
@@ -2735,7 +2242,7 @@
           <a:p>
             <a:fld id="{3762EC29-B8C5-4C7A-B6DA-418494D5CB21}" type="datetimeFigureOut">
               <a:rPr lang="en-US" smtClean="0"/>
-              <a:t>3/3/2021</a:t>
+              <a:t>3/4/2021</a:t>
             </a:fld>
             <a:endParaRPr lang="en-US"/>
           </a:p>
@@ -2867,7 +2374,7 @@
           <a:p>
             <a:fld id="{3762EC29-B8C5-4C7A-B6DA-418494D5CB21}" type="datetimeFigureOut">
               <a:rPr lang="en-US" smtClean="0"/>
-              <a:t>3/3/2021</a:t>
+              <a:t>3/4/2021</a:t>
             </a:fld>
             <a:endParaRPr lang="en-US"/>
           </a:p>
@@ -2977,7 +2484,7 @@
           <a:p>
             <a:fld id="{3762EC29-B8C5-4C7A-B6DA-418494D5CB21}" type="datetimeFigureOut">
               <a:rPr lang="en-US" smtClean="0"/>
-              <a:t>3/3/2021</a:t>
+              <a:t>3/4/2021</a:t>
             </a:fld>
             <a:endParaRPr lang="en-US"/>
           </a:p>
@@ -3774,7 +3281,7 @@
             <a:fld id="{3762EC29-B8C5-4C7A-B6DA-418494D5CB21}" type="datetimeFigureOut">
               <a:rPr lang="en-US" smtClean="0"/>
               <a:pPr/>
-              <a:t>3/3/2021</a:t>
+              <a:t>3/4/2021</a:t>
             </a:fld>
             <a:endParaRPr lang="en-US"/>
           </a:p>
@@ -5048,13 +4555,13 @@
   <p:clrMapOvr>
     <a:masterClrMapping/>
   </p:clrMapOvr>
-  <mc:AlternateContent xmlns:mc="http://schemas.openxmlformats.org/markup-compatibility/2006">
-    <mc:Choice xmlns:p14="http://schemas.microsoft.com/office/powerpoint/2010/main" Requires="p14">
+  <mc:AlternateContent xmlns:mc="http://schemas.openxmlformats.org/markup-compatibility/2006" xmlns:p14="http://schemas.microsoft.com/office/powerpoint/2010/main">
+    <mc:Choice Requires="p14">
       <p:transition spd="med" p14:dur="700">
         <p:fade/>
       </p:transition>
     </mc:Choice>
-    <mc:Fallback>
+    <mc:Fallback xmlns="">
       <p:transition spd="med">
         <p:fade/>
       </p:transition>
@@ -5177,13 +4684,13 @@
   <p:clrMapOvr>
     <a:masterClrMapping/>
   </p:clrMapOvr>
-  <mc:AlternateContent xmlns:mc="http://schemas.openxmlformats.org/markup-compatibility/2006">
-    <mc:Choice xmlns:p14="http://schemas.microsoft.com/office/powerpoint/2010/main" Requires="p14">
+  <mc:AlternateContent xmlns:mc="http://schemas.openxmlformats.org/markup-compatibility/2006" xmlns:p14="http://schemas.microsoft.com/office/powerpoint/2010/main">
+    <mc:Choice Requires="p14">
       <p:transition spd="med" p14:dur="700">
         <p:fade/>
       </p:transition>
     </mc:Choice>
-    <mc:Fallback>
+    <mc:Fallback xmlns="">
       <p:transition spd="med">
         <p:fade/>
       </p:transition>
@@ -5488,13 +4995,13 @@
   <p:clrMapOvr>
     <a:masterClrMapping/>
   </p:clrMapOvr>
-  <mc:AlternateContent xmlns:mc="http://schemas.openxmlformats.org/markup-compatibility/2006">
-    <mc:Choice xmlns:p14="http://schemas.microsoft.com/office/powerpoint/2010/main" Requires="p14">
+  <mc:AlternateContent xmlns:mc="http://schemas.openxmlformats.org/markup-compatibility/2006" xmlns:p14="http://schemas.microsoft.com/office/powerpoint/2010/main">
+    <mc:Choice Requires="p14">
       <p:transition spd="med" p14:dur="700">
         <p:fade/>
       </p:transition>
     </mc:Choice>
-    <mc:Fallback>
+    <mc:Fallback xmlns="">
       <p:transition spd="med">
         <p:fade/>
       </p:transition>
@@ -5612,13 +5119,13 @@
   <p:clrMapOvr>
     <a:masterClrMapping/>
   </p:clrMapOvr>
-  <mc:AlternateContent xmlns:mc="http://schemas.openxmlformats.org/markup-compatibility/2006">
-    <mc:Choice xmlns:p14="http://schemas.microsoft.com/office/powerpoint/2010/main" Requires="p14">
+  <mc:AlternateContent xmlns:mc="http://schemas.openxmlformats.org/markup-compatibility/2006" xmlns:p14="http://schemas.microsoft.com/office/powerpoint/2010/main">
+    <mc:Choice Requires="p14">
       <p:transition spd="med" p14:dur="700">
         <p:fade/>
       </p:transition>
     </mc:Choice>
-    <mc:Fallback>
+    <mc:Fallback xmlns="">
       <p:transition spd="med">
         <p:fade/>
       </p:transition>
@@ -5739,13 +5246,13 @@
   <p:clrMapOvr>
     <a:masterClrMapping/>
   </p:clrMapOvr>
-  <mc:AlternateContent xmlns:mc="http://schemas.openxmlformats.org/markup-compatibility/2006">
-    <mc:Choice xmlns:p14="http://schemas.microsoft.com/office/powerpoint/2010/main" Requires="p14">
+  <mc:AlternateContent xmlns:mc="http://schemas.openxmlformats.org/markup-compatibility/2006" xmlns:p14="http://schemas.microsoft.com/office/powerpoint/2010/main">
+    <mc:Choice Requires="p14">
       <p:transition spd="med" p14:dur="700">
         <p:fade/>
       </p:transition>
     </mc:Choice>
-    <mc:Fallback>
+    <mc:Fallback xmlns="">
       <p:transition spd="med">
         <p:fade/>
       </p:transition>
@@ -5901,13 +5408,13 @@
   <p:clrMapOvr>
     <a:masterClrMapping/>
   </p:clrMapOvr>
-  <mc:AlternateContent xmlns:mc="http://schemas.openxmlformats.org/markup-compatibility/2006">
-    <mc:Choice xmlns:p14="http://schemas.microsoft.com/office/powerpoint/2010/main" Requires="p14">
+  <mc:AlternateContent xmlns:mc="http://schemas.openxmlformats.org/markup-compatibility/2006" xmlns:p14="http://schemas.microsoft.com/office/powerpoint/2010/main">
+    <mc:Choice Requires="p14">
       <p:transition spd="med" p14:dur="700">
         <p:fade/>
       </p:transition>
     </mc:Choice>
-    <mc:Fallback>
+    <mc:Fallback xmlns="">
       <p:transition spd="med">
         <p:fade/>
       </p:transition>
@@ -6063,13 +5570,13 @@
   <p:clrMapOvr>
     <a:masterClrMapping/>
   </p:clrMapOvr>
-  <mc:AlternateContent xmlns:mc="http://schemas.openxmlformats.org/markup-compatibility/2006">
-    <mc:Choice xmlns:p14="http://schemas.microsoft.com/office/powerpoint/2010/main" Requires="p14">
+  <mc:AlternateContent xmlns:mc="http://schemas.openxmlformats.org/markup-compatibility/2006" xmlns:p14="http://schemas.microsoft.com/office/powerpoint/2010/main">
+    <mc:Choice Requires="p14">
       <p:transition spd="med" p14:dur="700">
         <p:fade/>
       </p:transition>
     </mc:Choice>
-    <mc:Fallback>
+    <mc:Fallback xmlns="">
       <p:transition spd="med">
         <p:fade/>
       </p:transition>
@@ -6225,13 +5732,13 @@
   <p:clrMapOvr>
     <a:masterClrMapping/>
   </p:clrMapOvr>
-  <mc:AlternateContent xmlns:mc="http://schemas.openxmlformats.org/markup-compatibility/2006">
-    <mc:Choice xmlns:p14="http://schemas.microsoft.com/office/powerpoint/2010/main" Requires="p14">
+  <mc:AlternateContent xmlns:mc="http://schemas.openxmlformats.org/markup-compatibility/2006" xmlns:p14="http://schemas.microsoft.com/office/powerpoint/2010/main">
+    <mc:Choice Requires="p14">
       <p:transition spd="med" p14:dur="700">
         <p:fade/>
       </p:transition>
     </mc:Choice>
-    <mc:Fallback>
+    <mc:Fallback xmlns="">
       <p:transition spd="med">
         <p:fade/>
       </p:transition>
@@ -6355,13 +5862,13 @@
   <p:clrMapOvr>
     <a:masterClrMapping/>
   </p:clrMapOvr>
-  <mc:AlternateContent xmlns:mc="http://schemas.openxmlformats.org/markup-compatibility/2006">
-    <mc:Choice xmlns:p14="http://schemas.microsoft.com/office/powerpoint/2010/main" Requires="p14">
+  <mc:AlternateContent xmlns:mc="http://schemas.openxmlformats.org/markup-compatibility/2006" xmlns:p14="http://schemas.microsoft.com/office/powerpoint/2010/main">
+    <mc:Choice Requires="p14">
       <p:transition spd="med" p14:dur="700">
         <p:fade/>
       </p:transition>
     </mc:Choice>
-    <mc:Fallback>
+    <mc:Fallback xmlns="">
       <p:transition spd="med">
         <p:fade/>
       </p:transition>
@@ -6499,13 +6006,13 @@
   <p:clrMapOvr>
     <a:masterClrMapping/>
   </p:clrMapOvr>
-  <mc:AlternateContent xmlns:mc="http://schemas.openxmlformats.org/markup-compatibility/2006">
-    <mc:Choice xmlns:p14="http://schemas.microsoft.com/office/powerpoint/2010/main" Requires="p14">
+  <mc:AlternateContent xmlns:mc="http://schemas.openxmlformats.org/markup-compatibility/2006" xmlns:p14="http://schemas.microsoft.com/office/powerpoint/2010/main">
+    <mc:Choice Requires="p14">
       <p:transition spd="med" p14:dur="700">
         <p:fade/>
       </p:transition>
     </mc:Choice>
-    <mc:Fallback>
+    <mc:Fallback xmlns="">
       <p:transition spd="med">
         <p:fade/>
       </p:transition>
@@ -6850,13 +6357,13 @@
   <p:clrMapOvr>
     <a:masterClrMapping/>
   </p:clrMapOvr>
-  <mc:AlternateContent xmlns:mc="http://schemas.openxmlformats.org/markup-compatibility/2006">
-    <mc:Choice xmlns:p14="http://schemas.microsoft.com/office/powerpoint/2010/main" Requires="p14">
+  <mc:AlternateContent xmlns:mc="http://schemas.openxmlformats.org/markup-compatibility/2006" xmlns:p14="http://schemas.microsoft.com/office/powerpoint/2010/main">
+    <mc:Choice Requires="p14">
       <p:transition spd="med" p14:dur="700">
         <p:fade/>
       </p:transition>
     </mc:Choice>
-    <mc:Fallback>
+    <mc:Fallback xmlns="">
       <p:transition spd="med">
         <p:fade/>
       </p:transition>
@@ -6933,13 +6440,13 @@
   <p:clrMapOvr>
     <a:masterClrMapping/>
   </p:clrMapOvr>
-  <mc:AlternateContent xmlns:mc="http://schemas.openxmlformats.org/markup-compatibility/2006">
-    <mc:Choice xmlns:p14="http://schemas.microsoft.com/office/powerpoint/2010/main" Requires="p14">
+  <mc:AlternateContent xmlns:mc="http://schemas.openxmlformats.org/markup-compatibility/2006" xmlns:p14="http://schemas.microsoft.com/office/powerpoint/2010/main">
+    <mc:Choice Requires="p14">
       <p:transition spd="med" p14:dur="700">
         <p:fade/>
       </p:transition>
     </mc:Choice>
-    <mc:Fallback>
+    <mc:Fallback xmlns="">
       <p:transition spd="med">
         <p:fade/>
       </p:transition>
@@ -6999,7 +6506,7 @@
         </p:nvSpPr>
         <p:spPr/>
         <p:txBody>
-          <a:bodyPr>
+          <a:bodyPr vert="horz" lIns="91440" tIns="45720" rIns="91440" bIns="45720" rtlCol="0" anchor="t">
             <a:normAutofit lnSpcReduction="10000"/>
           </a:bodyPr>
           <a:lstStyle/>
@@ -7011,8 +6518,8 @@
           </a:p>
           <a:p>
             <a:r>
-              <a:rPr lang="en-US" dirty="0"/>
-              <a:t>Logistic Regression – add scores </a:t>
+              <a:rPr lang="en-US"/>
+              <a:t>Logistic Regression – 62.3% accuracy </a:t>
             </a:r>
           </a:p>
           <a:p>
@@ -7206,13 +6713,13 @@
   <p:clrMapOvr>
     <a:masterClrMapping/>
   </p:clrMapOvr>
-  <mc:AlternateContent xmlns:mc="http://schemas.openxmlformats.org/markup-compatibility/2006">
-    <mc:Choice xmlns:p14="http://schemas.microsoft.com/office/powerpoint/2010/main" Requires="p14">
+  <mc:AlternateContent xmlns:mc="http://schemas.openxmlformats.org/markup-compatibility/2006" xmlns:p14="http://schemas.microsoft.com/office/powerpoint/2010/main">
+    <mc:Choice Requires="p14">
       <p:transition spd="med" p14:dur="700">
         <p:fade/>
       </p:transition>
     </mc:Choice>
-    <mc:Fallback>
+    <mc:Fallback xmlns="">
       <p:transition spd="med">
         <p:fade/>
       </p:transition>
@@ -7270,13 +6777,13 @@
   <p:clrMapOvr>
     <a:masterClrMapping/>
   </p:clrMapOvr>
-  <mc:AlternateContent xmlns:mc="http://schemas.openxmlformats.org/markup-compatibility/2006">
-    <mc:Choice xmlns:p14="http://schemas.microsoft.com/office/powerpoint/2010/main" Requires="p14">
+  <mc:AlternateContent xmlns:mc="http://schemas.openxmlformats.org/markup-compatibility/2006" xmlns:p14="http://schemas.microsoft.com/office/powerpoint/2010/main">
+    <mc:Choice Requires="p14">
       <p:transition spd="med" p14:dur="700">
         <p:fade/>
       </p:transition>
     </mc:Choice>
-    <mc:Fallback>
+    <mc:Fallback xmlns="">
       <p:transition spd="med">
         <p:fade/>
       </p:transition>
@@ -7312,13 +6819,13 @@
   <p:clrMapOvr>
     <a:masterClrMapping/>
   </p:clrMapOvr>
-  <mc:AlternateContent xmlns:mc="http://schemas.openxmlformats.org/markup-compatibility/2006">
-    <mc:Choice xmlns:p14="http://schemas.microsoft.com/office/powerpoint/2010/main" Requires="p14">
+  <mc:AlternateContent xmlns:mc="http://schemas.openxmlformats.org/markup-compatibility/2006" xmlns:p14="http://schemas.microsoft.com/office/powerpoint/2010/main">
+    <mc:Choice Requires="p14">
       <p:transition spd="med" p14:dur="700">
         <p:fade/>
       </p:transition>
     </mc:Choice>
-    <mc:Fallback>
+    <mc:Fallback xmlns="">
       <p:transition spd="med">
         <p:fade/>
       </p:transition>
